--- a/Document.pptx
+++ b/Document.pptx
@@ -8,9 +8,11 @@
     <p:sldId id="260" r:id="rId2"/>
     <p:sldId id="261" r:id="rId3"/>
     <p:sldId id="262" r:id="rId4"/>
-    <p:sldId id="263" r:id="rId5"/>
-    <p:sldId id="264" r:id="rId6"/>
-    <p:sldId id="265" r:id="rId7"/>
+    <p:sldId id="264" r:id="rId5"/>
+    <p:sldId id="265" r:id="rId6"/>
+    <p:sldId id="263" r:id="rId7"/>
+    <p:sldId id="266" r:id="rId8"/>
+    <p:sldId id="267" r:id="rId9"/>
   </p:sldIdLst>
   <p:sldSz cx="12192000" cy="6858000"/>
   <p:notesSz cx="6858000" cy="9144000"/>
@@ -266,7 +268,7 @@
           <a:p>
             <a:fld id="{7023CF23-8296-4A53-9CBC-B259CFD35397}" type="datetimeFigureOut">
               <a:rPr lang="en-US" smtClean="0"/>
-              <a:t>3/10/2021</a:t>
+              <a:t>4/5/2021</a:t>
             </a:fld>
             <a:endParaRPr lang="en-US"/>
           </a:p>
@@ -466,7 +468,7 @@
           <a:p>
             <a:fld id="{7023CF23-8296-4A53-9CBC-B259CFD35397}" type="datetimeFigureOut">
               <a:rPr lang="en-US" smtClean="0"/>
-              <a:t>3/10/2021</a:t>
+              <a:t>4/5/2021</a:t>
             </a:fld>
             <a:endParaRPr lang="en-US"/>
           </a:p>
@@ -676,7 +678,7 @@
           <a:p>
             <a:fld id="{7023CF23-8296-4A53-9CBC-B259CFD35397}" type="datetimeFigureOut">
               <a:rPr lang="en-US" smtClean="0"/>
-              <a:t>3/10/2021</a:t>
+              <a:t>4/5/2021</a:t>
             </a:fld>
             <a:endParaRPr lang="en-US"/>
           </a:p>
@@ -876,7 +878,7 @@
           <a:p>
             <a:fld id="{7023CF23-8296-4A53-9CBC-B259CFD35397}" type="datetimeFigureOut">
               <a:rPr lang="en-US" smtClean="0"/>
-              <a:t>3/10/2021</a:t>
+              <a:t>4/5/2021</a:t>
             </a:fld>
             <a:endParaRPr lang="en-US"/>
           </a:p>
@@ -1152,7 +1154,7 @@
           <a:p>
             <a:fld id="{7023CF23-8296-4A53-9CBC-B259CFD35397}" type="datetimeFigureOut">
               <a:rPr lang="en-US" smtClean="0"/>
-              <a:t>3/10/2021</a:t>
+              <a:t>4/5/2021</a:t>
             </a:fld>
             <a:endParaRPr lang="en-US"/>
           </a:p>
@@ -1420,7 +1422,7 @@
           <a:p>
             <a:fld id="{7023CF23-8296-4A53-9CBC-B259CFD35397}" type="datetimeFigureOut">
               <a:rPr lang="en-US" smtClean="0"/>
-              <a:t>3/10/2021</a:t>
+              <a:t>4/5/2021</a:t>
             </a:fld>
             <a:endParaRPr lang="en-US"/>
           </a:p>
@@ -1835,7 +1837,7 @@
           <a:p>
             <a:fld id="{7023CF23-8296-4A53-9CBC-B259CFD35397}" type="datetimeFigureOut">
               <a:rPr lang="en-US" smtClean="0"/>
-              <a:t>3/10/2021</a:t>
+              <a:t>4/5/2021</a:t>
             </a:fld>
             <a:endParaRPr lang="en-US"/>
           </a:p>
@@ -1977,7 +1979,7 @@
           <a:p>
             <a:fld id="{7023CF23-8296-4A53-9CBC-B259CFD35397}" type="datetimeFigureOut">
               <a:rPr lang="en-US" smtClean="0"/>
-              <a:t>3/10/2021</a:t>
+              <a:t>4/5/2021</a:t>
             </a:fld>
             <a:endParaRPr lang="en-US"/>
           </a:p>
@@ -2090,7 +2092,7 @@
           <a:p>
             <a:fld id="{7023CF23-8296-4A53-9CBC-B259CFD35397}" type="datetimeFigureOut">
               <a:rPr lang="en-US" smtClean="0"/>
-              <a:t>3/10/2021</a:t>
+              <a:t>4/5/2021</a:t>
             </a:fld>
             <a:endParaRPr lang="en-US"/>
           </a:p>
@@ -2403,7 +2405,7 @@
           <a:p>
             <a:fld id="{7023CF23-8296-4A53-9CBC-B259CFD35397}" type="datetimeFigureOut">
               <a:rPr lang="en-US" smtClean="0"/>
-              <a:t>3/10/2021</a:t>
+              <a:t>4/5/2021</a:t>
             </a:fld>
             <a:endParaRPr lang="en-US"/>
           </a:p>
@@ -2692,7 +2694,7 @@
           <a:p>
             <a:fld id="{7023CF23-8296-4A53-9CBC-B259CFD35397}" type="datetimeFigureOut">
               <a:rPr lang="en-US" smtClean="0"/>
-              <a:t>3/10/2021</a:t>
+              <a:t>4/5/2021</a:t>
             </a:fld>
             <a:endParaRPr lang="en-US"/>
           </a:p>
@@ -2935,7 +2937,7 @@
           <a:p>
             <a:fld id="{7023CF23-8296-4A53-9CBC-B259CFD35397}" type="datetimeFigureOut">
               <a:rPr lang="en-US" smtClean="0"/>
-              <a:t>3/10/2021</a:t>
+              <a:t>4/5/2021</a:t>
             </a:fld>
             <a:endParaRPr lang="en-US"/>
           </a:p>
@@ -3374,6 +3376,60 @@
         </p:grpSpPr>
         <p:sp>
           <p:nvSpPr>
+            <p:cNvPr id="8" name="矩形 7">
+              <a:extLst>
+                <a:ext uri="{FF2B5EF4-FFF2-40B4-BE49-F238E27FC236}">
+                  <a16:creationId xmlns:a16="http://schemas.microsoft.com/office/drawing/2014/main" id="{7E7290D0-0D0A-48B9-9BF2-CBD66E724EB7}"/>
+                </a:ext>
+              </a:extLst>
+            </p:cNvPr>
+            <p:cNvSpPr/>
+            <p:nvPr/>
+          </p:nvSpPr>
+          <p:spPr>
+            <a:xfrm>
+              <a:off x="818127" y="811129"/>
+              <a:ext cx="1433578" cy="2216165"/>
+            </a:xfrm>
+            <a:prstGeom prst="rect">
+              <a:avLst/>
+            </a:prstGeom>
+            <a:solidFill>
+              <a:schemeClr val="bg1">
+                <a:lumMod val="85000"/>
+              </a:schemeClr>
+            </a:solidFill>
+            <a:ln>
+              <a:noFill/>
+            </a:ln>
+          </p:spPr>
+          <p:style>
+            <a:lnRef idx="2">
+              <a:schemeClr val="accent1">
+                <a:shade val="50000"/>
+              </a:schemeClr>
+            </a:lnRef>
+            <a:fillRef idx="1">
+              <a:schemeClr val="accent1"/>
+            </a:fillRef>
+            <a:effectRef idx="0">
+              <a:schemeClr val="accent1"/>
+            </a:effectRef>
+            <a:fontRef idx="minor">
+              <a:schemeClr val="lt1"/>
+            </a:fontRef>
+          </p:style>
+          <p:txBody>
+            <a:bodyPr rtlCol="0" anchor="ctr"/>
+            <a:lstStyle/>
+            <a:p>
+              <a:pPr algn="ctr"/>
+              <a:endParaRPr lang="en-US"/>
+            </a:p>
+          </p:txBody>
+        </p:sp>
+        <p:sp>
+          <p:nvSpPr>
             <p:cNvPr id="4" name="矩形 3">
               <a:extLst>
                 <a:ext uri="{FF2B5EF4-FFF2-40B4-BE49-F238E27FC236}">
@@ -3494,8 +3550,8 @@
           </p:nvSpPr>
           <p:spPr>
             <a:xfrm>
-              <a:off x="818127" y="813416"/>
-              <a:ext cx="5220000" cy="648000"/>
+              <a:off x="2179697" y="813416"/>
+              <a:ext cx="3858429" cy="648000"/>
             </a:xfrm>
             <a:prstGeom prst="rect">
               <a:avLst/>
@@ -3550,60 +3606,6 @@
             <a:xfrm>
               <a:off x="2099480" y="2263881"/>
               <a:ext cx="1304353" cy="766091"/>
-            </a:xfrm>
-            <a:prstGeom prst="rect">
-              <a:avLst/>
-            </a:prstGeom>
-            <a:solidFill>
-              <a:schemeClr val="bg1">
-                <a:lumMod val="85000"/>
-              </a:schemeClr>
-            </a:solidFill>
-            <a:ln>
-              <a:noFill/>
-            </a:ln>
-          </p:spPr>
-          <p:style>
-            <a:lnRef idx="2">
-              <a:schemeClr val="accent1">
-                <a:shade val="50000"/>
-              </a:schemeClr>
-            </a:lnRef>
-            <a:fillRef idx="1">
-              <a:schemeClr val="accent1"/>
-            </a:fillRef>
-            <a:effectRef idx="0">
-              <a:schemeClr val="accent1"/>
-            </a:effectRef>
-            <a:fontRef idx="minor">
-              <a:schemeClr val="lt1"/>
-            </a:fontRef>
-          </p:style>
-          <p:txBody>
-            <a:bodyPr rtlCol="0" anchor="ctr"/>
-            <a:lstStyle/>
-            <a:p>
-              <a:pPr algn="ctr"/>
-              <a:endParaRPr lang="en-US"/>
-            </a:p>
-          </p:txBody>
-        </p:sp>
-        <p:sp>
-          <p:nvSpPr>
-            <p:cNvPr id="8" name="矩形 7">
-              <a:extLst>
-                <a:ext uri="{FF2B5EF4-FFF2-40B4-BE49-F238E27FC236}">
-                  <a16:creationId xmlns:a16="http://schemas.microsoft.com/office/drawing/2014/main" id="{7E7290D0-0D0A-48B9-9BF2-CBD66E724EB7}"/>
-                </a:ext>
-              </a:extLst>
-            </p:cNvPr>
-            <p:cNvSpPr/>
-            <p:nvPr/>
-          </p:nvSpPr>
-          <p:spPr>
-            <a:xfrm>
-              <a:off x="818127" y="1402962"/>
-              <a:ext cx="1433578" cy="1624332"/>
             </a:xfrm>
             <a:prstGeom prst="rect">
               <a:avLst/>
@@ -3924,7 +3926,7 @@
             <p:spPr>
               <a:xfrm>
                 <a:off x="2420670" y="1388408"/>
-                <a:ext cx="681597" cy="246221"/>
+                <a:ext cx="800683" cy="246221"/>
               </a:xfrm>
               <a:prstGeom prst="rect">
                 <a:avLst/>
@@ -3938,11 +3940,11 @@
               <a:lstStyle/>
               <a:p>
                 <a:r>
-                  <a:rPr lang="en-US" altLang="zh-CN" sz="1000" dirty="0">
+                  <a:rPr lang="en-US" altLang="zh-CN" sz="1000" dirty="0" err="1">
                     <a:latin typeface="Arial" panose="020B0604020202020204" pitchFamily="34" charset="0"/>
                     <a:cs typeface="Arial" panose="020B0604020202020204" pitchFamily="34" charset="0"/>
                   </a:rPr>
-                  <a:t>Analyzer</a:t>
+                  <a:t>DataProcessor</a:t>
                 </a:r>
                 <a:endParaRPr lang="en-US" sz="1000" dirty="0">
                   <a:latin typeface="Arial" panose="020B0604020202020204" pitchFamily="34" charset="0"/>
@@ -4443,10 +4445,10 @@
           </p:nvGrpSpPr>
           <p:grpSpPr>
             <a:xfrm>
-              <a:off x="1387609" y="2907509"/>
-              <a:ext cx="3240575" cy="846943"/>
-              <a:chOff x="1844609" y="1748921"/>
-              <a:chExt cx="3240575" cy="846943"/>
+              <a:off x="1387609" y="2898178"/>
+              <a:ext cx="3240575" cy="856274"/>
+              <a:chOff x="1844609" y="1739590"/>
+              <a:chExt cx="3240575" cy="856274"/>
             </a:xfrm>
           </p:grpSpPr>
           <p:cxnSp>
@@ -4465,7 +4467,7 @@
             </p:nvCxnSpPr>
             <p:spPr>
               <a:xfrm>
-                <a:off x="1847466" y="1748921"/>
+                <a:off x="1847466" y="1739590"/>
                 <a:ext cx="0" cy="792000"/>
               </a:xfrm>
               <a:prstGeom prst="line">
@@ -5716,124 +5718,6 @@
         </p:grpSp>
         <p:grpSp>
           <p:nvGrpSpPr>
-            <p:cNvPr id="60" name="组合 59">
-              <a:extLst>
-                <a:ext uri="{FF2B5EF4-FFF2-40B4-BE49-F238E27FC236}">
-                  <a16:creationId xmlns:a16="http://schemas.microsoft.com/office/drawing/2014/main" id="{9D9F9AE0-0BD9-4D9C-93E1-1DD14BBB897D}"/>
-                </a:ext>
-              </a:extLst>
-            </p:cNvPr>
-            <p:cNvGrpSpPr/>
-            <p:nvPr/>
-          </p:nvGrpSpPr>
-          <p:grpSpPr>
-            <a:xfrm rot="16200000">
-              <a:off x="3379504" y="2447317"/>
-              <a:ext cx="108000" cy="464146"/>
-              <a:chOff x="1971021" y="4107854"/>
-              <a:chExt cx="108000" cy="464146"/>
-            </a:xfrm>
-          </p:grpSpPr>
-          <p:sp>
-            <p:nvSpPr>
-              <p:cNvPr id="61" name="等腰三角形 60">
-                <a:extLst>
-                  <a:ext uri="{FF2B5EF4-FFF2-40B4-BE49-F238E27FC236}">
-                    <a16:creationId xmlns:a16="http://schemas.microsoft.com/office/drawing/2014/main" id="{17349A04-47E5-4DFC-B5AA-5E475206651B}"/>
-                  </a:ext>
-                </a:extLst>
-              </p:cNvPr>
-              <p:cNvSpPr/>
-              <p:nvPr/>
-            </p:nvSpPr>
-            <p:spPr>
-              <a:xfrm flipV="1">
-                <a:off x="1971021" y="4499992"/>
-                <a:ext cx="108000" cy="72008"/>
-              </a:xfrm>
-              <a:prstGeom prst="triangle">
-                <a:avLst/>
-              </a:prstGeom>
-              <a:solidFill>
-                <a:schemeClr val="tx1"/>
-              </a:solidFill>
-              <a:ln w="6350">
-                <a:solidFill>
-                  <a:schemeClr val="tx1"/>
-                </a:solidFill>
-              </a:ln>
-            </p:spPr>
-            <p:style>
-              <a:lnRef idx="2">
-                <a:schemeClr val="accent1">
-                  <a:shade val="50000"/>
-                </a:schemeClr>
-              </a:lnRef>
-              <a:fillRef idx="1">
-                <a:schemeClr val="accent1"/>
-              </a:fillRef>
-              <a:effectRef idx="0">
-                <a:schemeClr val="accent1"/>
-              </a:effectRef>
-              <a:fontRef idx="minor">
-                <a:schemeClr val="lt1"/>
-              </a:fontRef>
-            </p:style>
-            <p:txBody>
-              <a:bodyPr rtlCol="0" anchor="ctr"/>
-              <a:lstStyle/>
-              <a:p>
-                <a:pPr algn="ctr"/>
-                <a:endParaRPr lang="en-US"/>
-              </a:p>
-            </p:txBody>
-          </p:sp>
-          <p:cxnSp>
-            <p:nvCxnSpPr>
-              <p:cNvPr id="62" name="直接连接符 61">
-                <a:extLst>
-                  <a:ext uri="{FF2B5EF4-FFF2-40B4-BE49-F238E27FC236}">
-                    <a16:creationId xmlns:a16="http://schemas.microsoft.com/office/drawing/2014/main" id="{FD701AAB-A8F7-4FE0-B66A-52D613C131DA}"/>
-                  </a:ext>
-                </a:extLst>
-              </p:cNvPr>
-              <p:cNvCxnSpPr>
-                <a:cxnSpLocks/>
-              </p:cNvCxnSpPr>
-              <p:nvPr/>
-            </p:nvCxnSpPr>
-            <p:spPr>
-              <a:xfrm>
-                <a:off x="2024782" y="4107854"/>
-                <a:ext cx="0" cy="432000"/>
-              </a:xfrm>
-              <a:prstGeom prst="line">
-                <a:avLst/>
-              </a:prstGeom>
-              <a:ln w="12700">
-                <a:solidFill>
-                  <a:schemeClr val="tx1"/>
-                </a:solidFill>
-              </a:ln>
-            </p:spPr>
-            <p:style>
-              <a:lnRef idx="1">
-                <a:schemeClr val="accent1"/>
-              </a:lnRef>
-              <a:fillRef idx="0">
-                <a:schemeClr val="accent1"/>
-              </a:fillRef>
-              <a:effectRef idx="0">
-                <a:schemeClr val="accent1"/>
-              </a:effectRef>
-              <a:fontRef idx="minor">
-                <a:schemeClr val="tx1"/>
-              </a:fontRef>
-            </p:style>
-          </p:cxnSp>
-        </p:grpSp>
-        <p:grpSp>
-          <p:nvGrpSpPr>
             <p:cNvPr id="63" name="组合 62">
               <a:extLst>
                 <a:ext uri="{FF2B5EF4-FFF2-40B4-BE49-F238E27FC236}">
@@ -6285,7 +6169,7 @@
           </p:nvCxnSpPr>
           <p:spPr>
             <a:xfrm>
-              <a:off x="4202704" y="2808570"/>
+              <a:off x="3774865" y="2808570"/>
               <a:ext cx="0" cy="144000"/>
             </a:xfrm>
             <a:prstGeom prst="line">
@@ -7440,10 +7324,10 @@
           </p:nvGrpSpPr>
           <p:grpSpPr>
             <a:xfrm>
-              <a:off x="858153" y="849757"/>
-              <a:ext cx="4104456" cy="432048"/>
-              <a:chOff x="908720" y="1259632"/>
-              <a:chExt cx="4104456" cy="432048"/>
+              <a:off x="2200398" y="849757"/>
+              <a:ext cx="1915833" cy="432048"/>
+              <a:chOff x="2250965" y="1259632"/>
+              <a:chExt cx="1915833" cy="432048"/>
             </a:xfrm>
           </p:grpSpPr>
           <p:sp>
@@ -7460,8 +7344,8 @@
             </p:nvSpPr>
             <p:spPr>
               <a:xfrm>
-                <a:off x="908720" y="1259632"/>
-                <a:ext cx="4104456" cy="432048"/>
+                <a:off x="2250965" y="1259632"/>
+                <a:ext cx="1915833" cy="432048"/>
               </a:xfrm>
               <a:prstGeom prst="rect">
                 <a:avLst/>
@@ -7514,7 +7398,7 @@
             </p:nvSpPr>
             <p:spPr>
               <a:xfrm>
-                <a:off x="2276872" y="1259632"/>
+                <a:off x="2668754" y="1259632"/>
                 <a:ext cx="934871" cy="246221"/>
               </a:xfrm>
               <a:prstGeom prst="rect">
@@ -7552,7 +7436,7 @@
             </p:nvSpPr>
             <p:spPr>
               <a:xfrm>
-                <a:off x="1916832" y="1418888"/>
+                <a:off x="2308714" y="1418888"/>
                 <a:ext cx="1805302" cy="246221"/>
               </a:xfrm>
               <a:prstGeom prst="rect">
@@ -8054,157 +7938,41 @@
             </p:txBody>
           </p:sp>
         </p:grpSp>
-        <p:grpSp>
-          <p:nvGrpSpPr>
-            <p:cNvPr id="117" name="组合 116">
+        <p:sp>
+          <p:nvSpPr>
+            <p:cNvPr id="120" name="文本框 119">
               <a:extLst>
                 <a:ext uri="{FF2B5EF4-FFF2-40B4-BE49-F238E27FC236}">
-                  <a16:creationId xmlns:a16="http://schemas.microsoft.com/office/drawing/2014/main" id="{73122158-300C-4A0B-AAF4-EC3A868BAA32}"/>
+                  <a16:creationId xmlns:a16="http://schemas.microsoft.com/office/drawing/2014/main" id="{2957E7A2-0C04-46D8-91CB-45F6F39123C5}"/>
                 </a:ext>
               </a:extLst>
             </p:cNvPr>
-            <p:cNvGrpSpPr/>
+            <p:cNvSpPr txBox="1"/>
             <p:nvPr/>
-          </p:nvGrpSpPr>
-          <p:grpSpPr>
+          </p:nvSpPr>
+          <p:spPr>
             <a:xfrm>
-              <a:off x="3681993" y="2456793"/>
-              <a:ext cx="1025604" cy="432048"/>
-              <a:chOff x="2276872" y="1259632"/>
-              <a:chExt cx="1025604" cy="432048"/>
+              <a:off x="3715018" y="2616049"/>
+              <a:ext cx="184731" cy="246221"/>
             </a:xfrm>
-          </p:grpSpPr>
-          <p:sp>
-            <p:nvSpPr>
-              <p:cNvPr id="118" name="矩形 117">
-                <a:extLst>
-                  <a:ext uri="{FF2B5EF4-FFF2-40B4-BE49-F238E27FC236}">
-                    <a16:creationId xmlns:a16="http://schemas.microsoft.com/office/drawing/2014/main" id="{0BE1B8C4-ACF1-4FEE-B14F-AA6F1542656A}"/>
-                  </a:ext>
-                </a:extLst>
-              </p:cNvPr>
-              <p:cNvSpPr/>
-              <p:nvPr/>
-            </p:nvSpPr>
-            <p:spPr>
-              <a:xfrm>
-                <a:off x="2276872" y="1259632"/>
-                <a:ext cx="1008112" cy="432048"/>
-              </a:xfrm>
-              <a:prstGeom prst="rect">
-                <a:avLst/>
-              </a:prstGeom>
-              <a:solidFill>
-                <a:schemeClr val="bg1"/>
-              </a:solidFill>
-              <a:ln>
-                <a:solidFill>
-                  <a:schemeClr val="tx1"/>
-                </a:solidFill>
-              </a:ln>
-            </p:spPr>
-            <p:style>
-              <a:lnRef idx="2">
-                <a:schemeClr val="accent1">
-                  <a:shade val="50000"/>
-                </a:schemeClr>
-              </a:lnRef>
-              <a:fillRef idx="1">
-                <a:schemeClr val="accent1"/>
-              </a:fillRef>
-              <a:effectRef idx="0">
-                <a:schemeClr val="accent1"/>
-              </a:effectRef>
-              <a:fontRef idx="minor">
-                <a:schemeClr val="lt1"/>
-              </a:fontRef>
-            </p:style>
-            <p:txBody>
-              <a:bodyPr rtlCol="0" anchor="ctr"/>
-              <a:lstStyle/>
-              <a:p>
-                <a:pPr algn="ctr"/>
-                <a:endParaRPr lang="en-US"/>
-              </a:p>
-            </p:txBody>
-          </p:sp>
-          <p:sp>
-            <p:nvSpPr>
-              <p:cNvPr id="119" name="文本框 118">
-                <a:extLst>
-                  <a:ext uri="{FF2B5EF4-FFF2-40B4-BE49-F238E27FC236}">
-                    <a16:creationId xmlns:a16="http://schemas.microsoft.com/office/drawing/2014/main" id="{C203F58E-136C-43A8-BFCE-525E971891A9}"/>
-                  </a:ext>
-                </a:extLst>
-              </p:cNvPr>
-              <p:cNvSpPr txBox="1"/>
-              <p:nvPr/>
-            </p:nvSpPr>
-            <p:spPr>
-              <a:xfrm>
-                <a:off x="2330212" y="1259632"/>
-                <a:ext cx="934871" cy="246221"/>
-              </a:xfrm>
-              <a:prstGeom prst="rect">
-                <a:avLst/>
-              </a:prstGeom>
-              <a:noFill/>
-            </p:spPr>
-            <p:txBody>
-              <a:bodyPr wrap="none" rtlCol="0">
-                <a:spAutoFit/>
-              </a:bodyPr>
-              <a:lstStyle/>
-              <a:p>
-                <a:r>
-                  <a:rPr lang="en-US" sz="1000" dirty="0">
-                    <a:latin typeface="Arial" panose="020B0604020202020204" pitchFamily="34" charset="0"/>
-                    <a:cs typeface="Arial" panose="020B0604020202020204" pitchFamily="34" charset="0"/>
-                  </a:rPr>
-                  <a:t>&lt;&lt;ACTOR&gt;&gt;</a:t>
-                </a:r>
-              </a:p>
-            </p:txBody>
-          </p:sp>
-          <p:sp>
-            <p:nvSpPr>
-              <p:cNvPr id="120" name="文本框 119">
-                <a:extLst>
-                  <a:ext uri="{FF2B5EF4-FFF2-40B4-BE49-F238E27FC236}">
-                    <a16:creationId xmlns:a16="http://schemas.microsoft.com/office/drawing/2014/main" id="{2957E7A2-0C04-46D8-91CB-45F6F39123C5}"/>
-                  </a:ext>
-                </a:extLst>
-              </p:cNvPr>
-              <p:cNvSpPr txBox="1"/>
-              <p:nvPr/>
-            </p:nvSpPr>
-            <p:spPr>
-              <a:xfrm>
-                <a:off x="2309897" y="1418888"/>
-                <a:ext cx="992579" cy="246221"/>
-              </a:xfrm>
-              <a:prstGeom prst="rect">
-                <a:avLst/>
-              </a:prstGeom>
-              <a:noFill/>
-            </p:spPr>
-            <p:txBody>
-              <a:bodyPr wrap="none" rtlCol="0">
-                <a:spAutoFit/>
-              </a:bodyPr>
-              <a:lstStyle/>
-              <a:p>
-                <a:r>
-                  <a:rPr lang="en-US" sz="1000" dirty="0">
-                    <a:latin typeface="Arial" panose="020B0604020202020204" pitchFamily="34" charset="0"/>
-                    <a:cs typeface="Arial" panose="020B0604020202020204" pitchFamily="34" charset="0"/>
-                  </a:rPr>
-                  <a:t>Imaging Mode</a:t>
-                </a:r>
-              </a:p>
-            </p:txBody>
-          </p:sp>
-        </p:grpSp>
+            <a:prstGeom prst="rect">
+              <a:avLst/>
+            </a:prstGeom>
+            <a:noFill/>
+          </p:spPr>
+          <p:txBody>
+            <a:bodyPr wrap="none" rtlCol="0">
+              <a:spAutoFit/>
+            </a:bodyPr>
+            <a:lstStyle/>
+            <a:p>
+              <a:endParaRPr lang="en-US" sz="1000" dirty="0">
+                <a:latin typeface="Arial" panose="020B0604020202020204" pitchFamily="34" charset="0"/>
+                <a:cs typeface="Arial" panose="020B0604020202020204" pitchFamily="34" charset="0"/>
+              </a:endParaRPr>
+            </a:p>
+          </p:txBody>
+        </p:sp>
         <p:grpSp>
           <p:nvGrpSpPr>
             <p:cNvPr id="121" name="组合 120">
@@ -12411,6 +12179,278 @@
           </a:p>
         </p:txBody>
       </p:sp>
+      <p:cxnSp>
+        <p:nvCxnSpPr>
+          <p:cNvPr id="215" name="直接连接符 65">
+            <a:extLst>
+              <a:ext uri="{FF2B5EF4-FFF2-40B4-BE49-F238E27FC236}">
+                <a16:creationId xmlns:a16="http://schemas.microsoft.com/office/drawing/2014/main" id="{5CEBA9C7-2191-4320-863A-0FC898F605E8}"/>
+              </a:ext>
+            </a:extLst>
+          </p:cNvPr>
+          <p:cNvCxnSpPr>
+            <a:cxnSpLocks/>
+          </p:cNvCxnSpPr>
+          <p:nvPr/>
+        </p:nvCxnSpPr>
+        <p:spPr>
+          <a:xfrm>
+            <a:off x="2828751" y="2694362"/>
+            <a:ext cx="548640" cy="3740"/>
+          </a:xfrm>
+          <a:prstGeom prst="line">
+            <a:avLst/>
+          </a:prstGeom>
+          <a:ln w="12700">
+            <a:solidFill>
+              <a:schemeClr val="tx1"/>
+            </a:solidFill>
+          </a:ln>
+        </p:spPr>
+        <p:style>
+          <a:lnRef idx="1">
+            <a:schemeClr val="accent1"/>
+          </a:lnRef>
+          <a:fillRef idx="0">
+            <a:schemeClr val="accent1"/>
+          </a:fillRef>
+          <a:effectRef idx="0">
+            <a:schemeClr val="accent1"/>
+          </a:effectRef>
+          <a:fontRef idx="minor">
+            <a:schemeClr val="tx1"/>
+          </a:fontRef>
+        </p:style>
+      </p:cxnSp>
+      <p:sp>
+        <p:nvSpPr>
+          <p:cNvPr id="217" name="矩形 102">
+            <a:extLst>
+              <a:ext uri="{FF2B5EF4-FFF2-40B4-BE49-F238E27FC236}">
+                <a16:creationId xmlns:a16="http://schemas.microsoft.com/office/drawing/2014/main" id="{BF1D3A5E-9212-40A3-B8A3-D1EF5E6B8BE7}"/>
+              </a:ext>
+            </a:extLst>
+          </p:cNvPr>
+          <p:cNvSpPr/>
+          <p:nvPr/>
+        </p:nvSpPr>
+        <p:spPr>
+          <a:xfrm>
+            <a:off x="465246" y="914807"/>
+            <a:ext cx="1223175" cy="432048"/>
+          </a:xfrm>
+          <a:prstGeom prst="rect">
+            <a:avLst/>
+          </a:prstGeom>
+          <a:solidFill>
+            <a:schemeClr val="bg1"/>
+          </a:solidFill>
+          <a:ln>
+            <a:solidFill>
+              <a:schemeClr val="tx1"/>
+            </a:solidFill>
+          </a:ln>
+        </p:spPr>
+        <p:style>
+          <a:lnRef idx="2">
+            <a:schemeClr val="accent1">
+              <a:shade val="50000"/>
+            </a:schemeClr>
+          </a:lnRef>
+          <a:fillRef idx="1">
+            <a:schemeClr val="accent1"/>
+          </a:fillRef>
+          <a:effectRef idx="0">
+            <a:schemeClr val="accent1"/>
+          </a:effectRef>
+          <a:fontRef idx="minor">
+            <a:schemeClr val="lt1"/>
+          </a:fontRef>
+        </p:style>
+        <p:txBody>
+          <a:bodyPr rtlCol="0" anchor="ctr"/>
+          <a:lstStyle/>
+          <a:p>
+            <a:pPr algn="ctr"/>
+            <a:endParaRPr lang="en-US"/>
+          </a:p>
+        </p:txBody>
+      </p:sp>
+      <p:sp>
+        <p:nvSpPr>
+          <p:cNvPr id="218" name="文本框 103">
+            <a:extLst>
+              <a:ext uri="{FF2B5EF4-FFF2-40B4-BE49-F238E27FC236}">
+                <a16:creationId xmlns:a16="http://schemas.microsoft.com/office/drawing/2014/main" id="{2F98B870-6ED3-4B7E-8BF9-A57B7B092399}"/>
+              </a:ext>
+            </a:extLst>
+          </p:cNvPr>
+          <p:cNvSpPr txBox="1"/>
+          <p:nvPr/>
+        </p:nvSpPr>
+        <p:spPr>
+          <a:xfrm>
+            <a:off x="435171" y="914807"/>
+            <a:ext cx="934871" cy="246221"/>
+          </a:xfrm>
+          <a:prstGeom prst="rect">
+            <a:avLst/>
+          </a:prstGeom>
+          <a:noFill/>
+        </p:spPr>
+        <p:txBody>
+          <a:bodyPr wrap="none" rtlCol="0">
+            <a:spAutoFit/>
+          </a:bodyPr>
+          <a:lstStyle/>
+          <a:p>
+            <a:r>
+              <a:rPr lang="en-US" sz="1000" dirty="0">
+                <a:latin typeface="Arial" panose="020B0604020202020204" pitchFamily="34" charset="0"/>
+                <a:cs typeface="Arial" panose="020B0604020202020204" pitchFamily="34" charset="0"/>
+              </a:rPr>
+              <a:t>&lt;&lt;ACTOR&gt;&gt;</a:t>
+            </a:r>
+          </a:p>
+        </p:txBody>
+      </p:sp>
+      <p:sp>
+        <p:nvSpPr>
+          <p:cNvPr id="219" name="文本框 104">
+            <a:extLst>
+              <a:ext uri="{FF2B5EF4-FFF2-40B4-BE49-F238E27FC236}">
+                <a16:creationId xmlns:a16="http://schemas.microsoft.com/office/drawing/2014/main" id="{BEB0344E-38F0-4163-AAAD-C8870C4753AE}"/>
+              </a:ext>
+            </a:extLst>
+          </p:cNvPr>
+          <p:cNvSpPr txBox="1"/>
+          <p:nvPr/>
+        </p:nvSpPr>
+        <p:spPr>
+          <a:xfrm>
+            <a:off x="522995" y="1074063"/>
+            <a:ext cx="930063" cy="246221"/>
+          </a:xfrm>
+          <a:prstGeom prst="rect">
+            <a:avLst/>
+          </a:prstGeom>
+          <a:noFill/>
+        </p:spPr>
+        <p:txBody>
+          <a:bodyPr wrap="none" rtlCol="0">
+            <a:spAutoFit/>
+          </a:bodyPr>
+          <a:lstStyle/>
+          <a:p>
+            <a:r>
+              <a:rPr lang="en-US" sz="1000" dirty="0" err="1">
+                <a:latin typeface="Arial" panose="020B0604020202020204" pitchFamily="34" charset="0"/>
+                <a:cs typeface="Arial" panose="020B0604020202020204" pitchFamily="34" charset="0"/>
+              </a:rPr>
+              <a:t>GenericActor</a:t>
+            </a:r>
+            <a:endParaRPr lang="en-US" sz="1000" dirty="0">
+              <a:latin typeface="Arial" panose="020B0604020202020204" pitchFamily="34" charset="0"/>
+              <a:cs typeface="Arial" panose="020B0604020202020204" pitchFamily="34" charset="0"/>
+            </a:endParaRPr>
+          </a:p>
+        </p:txBody>
+      </p:sp>
+      <p:sp>
+        <p:nvSpPr>
+          <p:cNvPr id="220" name="等腰三角形 36">
+            <a:extLst>
+              <a:ext uri="{FF2B5EF4-FFF2-40B4-BE49-F238E27FC236}">
+                <a16:creationId xmlns:a16="http://schemas.microsoft.com/office/drawing/2014/main" id="{A4AE4831-A5C4-4CE5-91F5-F3D716767338}"/>
+              </a:ext>
+            </a:extLst>
+          </p:cNvPr>
+          <p:cNvSpPr/>
+          <p:nvPr/>
+        </p:nvSpPr>
+        <p:spPr>
+          <a:xfrm>
+            <a:off x="919474" y="1374213"/>
+            <a:ext cx="108000" cy="72000"/>
+          </a:xfrm>
+          <a:prstGeom prst="triangle">
+            <a:avLst/>
+          </a:prstGeom>
+          <a:noFill/>
+          <a:ln w="6350">
+            <a:solidFill>
+              <a:schemeClr val="tx1"/>
+            </a:solidFill>
+          </a:ln>
+        </p:spPr>
+        <p:style>
+          <a:lnRef idx="2">
+            <a:schemeClr val="accent1">
+              <a:shade val="50000"/>
+            </a:schemeClr>
+          </a:lnRef>
+          <a:fillRef idx="1">
+            <a:schemeClr val="accent1"/>
+          </a:fillRef>
+          <a:effectRef idx="0">
+            <a:schemeClr val="accent1"/>
+          </a:effectRef>
+          <a:fontRef idx="minor">
+            <a:schemeClr val="lt1"/>
+          </a:fontRef>
+        </p:style>
+        <p:txBody>
+          <a:bodyPr rtlCol="0" anchor="ctr"/>
+          <a:lstStyle/>
+          <a:p>
+            <a:pPr algn="ctr"/>
+            <a:endParaRPr lang="en-US"/>
+          </a:p>
+        </p:txBody>
+      </p:sp>
+      <p:cxnSp>
+        <p:nvCxnSpPr>
+          <p:cNvPr id="221" name="直接连接符 27">
+            <a:extLst>
+              <a:ext uri="{FF2B5EF4-FFF2-40B4-BE49-F238E27FC236}">
+                <a16:creationId xmlns:a16="http://schemas.microsoft.com/office/drawing/2014/main" id="{715F9E11-24A4-4B89-8683-6CB6D3C085B7}"/>
+              </a:ext>
+            </a:extLst>
+          </p:cNvPr>
+          <p:cNvCxnSpPr>
+            <a:cxnSpLocks/>
+          </p:cNvCxnSpPr>
+          <p:nvPr/>
+        </p:nvCxnSpPr>
+        <p:spPr>
+          <a:xfrm>
+            <a:off x="973183" y="1423332"/>
+            <a:ext cx="0" cy="182880"/>
+          </a:xfrm>
+          <a:prstGeom prst="line">
+            <a:avLst/>
+          </a:prstGeom>
+          <a:ln w="12700">
+            <a:solidFill>
+              <a:schemeClr val="tx1"/>
+            </a:solidFill>
+          </a:ln>
+        </p:spPr>
+        <p:style>
+          <a:lnRef idx="1">
+            <a:schemeClr val="accent1"/>
+          </a:lnRef>
+          <a:fillRef idx="0">
+            <a:schemeClr val="accent1"/>
+          </a:fillRef>
+          <a:effectRef idx="0">
+            <a:schemeClr val="accent1"/>
+          </a:effectRef>
+          <a:fontRef idx="minor">
+            <a:schemeClr val="tx1"/>
+          </a:fontRef>
+        </p:style>
+      </p:cxnSp>
     </p:spTree>
     <p:extLst>
       <p:ext uri="{BB962C8B-B14F-4D97-AF65-F5344CB8AC3E}">
@@ -13742,6 +13782,825 @@
       </p:grpSpPr>
       <p:sp>
         <p:nvSpPr>
+          <p:cNvPr id="2" name="文本框 1">
+            <a:extLst>
+              <a:ext uri="{FF2B5EF4-FFF2-40B4-BE49-F238E27FC236}">
+                <a16:creationId xmlns:a16="http://schemas.microsoft.com/office/drawing/2014/main" id="{AAEDC23A-9F8C-4C5D-B7A4-6FECF98217DF}"/>
+              </a:ext>
+            </a:extLst>
+          </p:cNvPr>
+          <p:cNvSpPr txBox="1"/>
+          <p:nvPr/>
+        </p:nvSpPr>
+        <p:spPr>
+          <a:xfrm>
+            <a:off x="239165" y="173240"/>
+            <a:ext cx="1806328" cy="923330"/>
+          </a:xfrm>
+          <a:prstGeom prst="rect">
+            <a:avLst/>
+          </a:prstGeom>
+          <a:noFill/>
+        </p:spPr>
+        <p:txBody>
+          <a:bodyPr wrap="none" rtlCol="0">
+            <a:spAutoFit/>
+          </a:bodyPr>
+          <a:lstStyle/>
+          <a:p>
+            <a:r>
+              <a:rPr lang="en-US" altLang="zh-CN" dirty="0"/>
+              <a:t>Device Controller</a:t>
+            </a:r>
+          </a:p>
+          <a:p>
+            <a:endParaRPr lang="en-US" dirty="0"/>
+          </a:p>
+          <a:p>
+            <a:endParaRPr lang="en-US" dirty="0"/>
+          </a:p>
+        </p:txBody>
+      </p:sp>
+      <p:sp>
+        <p:nvSpPr>
+          <p:cNvPr id="3" name="文本框 2">
+            <a:extLst>
+              <a:ext uri="{FF2B5EF4-FFF2-40B4-BE49-F238E27FC236}">
+                <a16:creationId xmlns:a16="http://schemas.microsoft.com/office/drawing/2014/main" id="{A2638B25-3464-4CE9-A955-5FAA2466EFA0}"/>
+              </a:ext>
+            </a:extLst>
+          </p:cNvPr>
+          <p:cNvSpPr txBox="1"/>
+          <p:nvPr/>
+        </p:nvSpPr>
+        <p:spPr>
+          <a:xfrm>
+            <a:off x="260060" y="587229"/>
+            <a:ext cx="4559261" cy="553998"/>
+          </a:xfrm>
+          <a:prstGeom prst="rect">
+            <a:avLst/>
+          </a:prstGeom>
+          <a:noFill/>
+        </p:spPr>
+        <p:txBody>
+          <a:bodyPr wrap="none" rtlCol="0">
+            <a:spAutoFit/>
+          </a:bodyPr>
+          <a:lstStyle/>
+          <a:p>
+            <a:r>
+              <a:rPr lang="en-US" sz="1000" dirty="0"/>
+              <a:t>1,Device controllers  the user interfaces to control the device</a:t>
+            </a:r>
+          </a:p>
+          <a:p>
+            <a:r>
+              <a:rPr lang="en-US" sz="1000" dirty="0"/>
+              <a:t>2, it is created from the UI template [ or form the controller template in the project]</a:t>
+            </a:r>
+          </a:p>
+          <a:p>
+            <a:r>
+              <a:rPr lang="en-US" sz="1000" dirty="0"/>
+              <a:t>3, inherit from the Data Listener Interface to receive data.</a:t>
+            </a:r>
+          </a:p>
+        </p:txBody>
+      </p:sp>
+      <p:pic>
+        <p:nvPicPr>
+          <p:cNvPr id="5" name="图片 4">
+            <a:extLst>
+              <a:ext uri="{FF2B5EF4-FFF2-40B4-BE49-F238E27FC236}">
+                <a16:creationId xmlns:a16="http://schemas.microsoft.com/office/drawing/2014/main" id="{E8B85786-B1CD-463B-9EF4-BAE3C2C40D1D}"/>
+              </a:ext>
+            </a:extLst>
+          </p:cNvPr>
+          <p:cNvPicPr>
+            <a:picLocks noChangeAspect="1"/>
+          </p:cNvPicPr>
+          <p:nvPr/>
+        </p:nvPicPr>
+        <p:blipFill rotWithShape="1">
+          <a:blip r:embed="rId2"/>
+          <a:srcRect b="45326"/>
+          <a:stretch/>
+        </p:blipFill>
+        <p:spPr>
+          <a:xfrm>
+            <a:off x="217298" y="1340830"/>
+            <a:ext cx="3895796" cy="2736647"/>
+          </a:xfrm>
+          <a:prstGeom prst="rect">
+            <a:avLst/>
+          </a:prstGeom>
+        </p:spPr>
+      </p:pic>
+      <p:pic>
+        <p:nvPicPr>
+          <p:cNvPr id="7" name="图片 6">
+            <a:extLst>
+              <a:ext uri="{FF2B5EF4-FFF2-40B4-BE49-F238E27FC236}">
+                <a16:creationId xmlns:a16="http://schemas.microsoft.com/office/drawing/2014/main" id="{98D61196-F994-47C4-8E2F-5F9393749CF0}"/>
+              </a:ext>
+            </a:extLst>
+          </p:cNvPr>
+          <p:cNvPicPr>
+            <a:picLocks noChangeAspect="1"/>
+          </p:cNvPicPr>
+          <p:nvPr/>
+        </p:nvPicPr>
+        <p:blipFill>
+          <a:blip r:embed="rId3"/>
+          <a:stretch>
+            <a:fillRect/>
+          </a:stretch>
+        </p:blipFill>
+        <p:spPr>
+          <a:xfrm>
+            <a:off x="231610" y="4174143"/>
+            <a:ext cx="3706481" cy="2273309"/>
+          </a:xfrm>
+          <a:prstGeom prst="rect">
+            <a:avLst/>
+          </a:prstGeom>
+        </p:spPr>
+      </p:pic>
+      <p:sp>
+        <p:nvSpPr>
+          <p:cNvPr id="8" name="文本框 7">
+            <a:extLst>
+              <a:ext uri="{FF2B5EF4-FFF2-40B4-BE49-F238E27FC236}">
+                <a16:creationId xmlns:a16="http://schemas.microsoft.com/office/drawing/2014/main" id="{F5CC6750-5DDD-48B1-9ABB-87281C9854AC}"/>
+              </a:ext>
+            </a:extLst>
+          </p:cNvPr>
+          <p:cNvSpPr txBox="1"/>
+          <p:nvPr/>
+        </p:nvSpPr>
+        <p:spPr>
+          <a:xfrm>
+            <a:off x="3171783" y="1736067"/>
+            <a:ext cx="7166536" cy="246221"/>
+          </a:xfrm>
+          <a:prstGeom prst="rect">
+            <a:avLst/>
+          </a:prstGeom>
+          <a:noFill/>
+        </p:spPr>
+        <p:txBody>
+          <a:bodyPr wrap="square" rtlCol="0">
+            <a:spAutoFit/>
+          </a:bodyPr>
+          <a:lstStyle/>
+          <a:p>
+            <a:r>
+              <a:rPr lang="en-US" sz="1000" dirty="0">
+                <a:solidFill>
+                  <a:schemeClr val="tx1">
+                    <a:lumMod val="50000"/>
+                    <a:lumOff val="50000"/>
+                  </a:schemeClr>
+                </a:solidFill>
+              </a:rPr>
+              <a:t>User can change the appearance in actor core. User events are handled in a ‘helper loop’ </a:t>
+            </a:r>
+          </a:p>
+        </p:txBody>
+      </p:sp>
+      <p:sp>
+        <p:nvSpPr>
+          <p:cNvPr id="9" name="文本框 8">
+            <a:extLst>
+              <a:ext uri="{FF2B5EF4-FFF2-40B4-BE49-F238E27FC236}">
+                <a16:creationId xmlns:a16="http://schemas.microsoft.com/office/drawing/2014/main" id="{E6B9851C-1922-46A0-9AAB-6D59086F00C9}"/>
+              </a:ext>
+            </a:extLst>
+          </p:cNvPr>
+          <p:cNvSpPr txBox="1"/>
+          <p:nvPr/>
+        </p:nvSpPr>
+        <p:spPr>
+          <a:xfrm>
+            <a:off x="3143791" y="2323895"/>
+            <a:ext cx="7166536" cy="246221"/>
+          </a:xfrm>
+          <a:prstGeom prst="rect">
+            <a:avLst/>
+          </a:prstGeom>
+          <a:noFill/>
+        </p:spPr>
+        <p:txBody>
+          <a:bodyPr wrap="square" rtlCol="0">
+            <a:spAutoFit/>
+          </a:bodyPr>
+          <a:lstStyle/>
+          <a:p>
+            <a:r>
+              <a:rPr lang="en-US" sz="1000" dirty="0">
+                <a:solidFill>
+                  <a:schemeClr val="tx1">
+                    <a:lumMod val="50000"/>
+                    <a:lumOff val="50000"/>
+                  </a:schemeClr>
+                </a:solidFill>
+              </a:rPr>
+              <a:t>Parse and dispatch data to show in the UI</a:t>
+            </a:r>
+          </a:p>
+        </p:txBody>
+      </p:sp>
+      <p:sp>
+        <p:nvSpPr>
+          <p:cNvPr id="10" name="文本框 9">
+            <a:extLst>
+              <a:ext uri="{FF2B5EF4-FFF2-40B4-BE49-F238E27FC236}">
+                <a16:creationId xmlns:a16="http://schemas.microsoft.com/office/drawing/2014/main" id="{046375F4-8BE1-4184-8141-8A997AEEADEB}"/>
+              </a:ext>
+            </a:extLst>
+          </p:cNvPr>
+          <p:cNvSpPr txBox="1"/>
+          <p:nvPr/>
+        </p:nvSpPr>
+        <p:spPr>
+          <a:xfrm>
+            <a:off x="3152180" y="2558787"/>
+            <a:ext cx="7166536" cy="246221"/>
+          </a:xfrm>
+          <a:prstGeom prst="rect">
+            <a:avLst/>
+          </a:prstGeom>
+          <a:noFill/>
+        </p:spPr>
+        <p:txBody>
+          <a:bodyPr wrap="square" rtlCol="0">
+            <a:spAutoFit/>
+          </a:bodyPr>
+          <a:lstStyle/>
+          <a:p>
+            <a:r>
+              <a:rPr lang="en-US" sz="1000" dirty="0">
+                <a:solidFill>
+                  <a:schemeClr val="tx1">
+                    <a:lumMod val="50000"/>
+                    <a:lumOff val="50000"/>
+                  </a:schemeClr>
+                </a:solidFill>
+              </a:rPr>
+              <a:t>Post self VI Refences to the caller</a:t>
+            </a:r>
+          </a:p>
+        </p:txBody>
+      </p:sp>
+      <p:sp>
+        <p:nvSpPr>
+          <p:cNvPr id="11" name="文本框 10">
+            <a:extLst>
+              <a:ext uri="{FF2B5EF4-FFF2-40B4-BE49-F238E27FC236}">
+                <a16:creationId xmlns:a16="http://schemas.microsoft.com/office/drawing/2014/main" id="{C8C414AE-6158-4F9C-AE42-1E9FC9B8582A}"/>
+              </a:ext>
+            </a:extLst>
+          </p:cNvPr>
+          <p:cNvSpPr txBox="1"/>
+          <p:nvPr/>
+        </p:nvSpPr>
+        <p:spPr>
+          <a:xfrm>
+            <a:off x="3210903" y="3338963"/>
+            <a:ext cx="7166536" cy="246221"/>
+          </a:xfrm>
+          <a:prstGeom prst="rect">
+            <a:avLst/>
+          </a:prstGeom>
+          <a:noFill/>
+        </p:spPr>
+        <p:txBody>
+          <a:bodyPr wrap="square" rtlCol="0">
+            <a:spAutoFit/>
+          </a:bodyPr>
+          <a:lstStyle/>
+          <a:p>
+            <a:r>
+              <a:rPr lang="en-US" sz="1000" dirty="0">
+                <a:solidFill>
+                  <a:schemeClr val="tx1">
+                    <a:lumMod val="50000"/>
+                    <a:lumOff val="50000"/>
+                  </a:schemeClr>
+                </a:solidFill>
+              </a:rPr>
+              <a:t>Call in the OnDataChange.vi</a:t>
+            </a:r>
+          </a:p>
+        </p:txBody>
+      </p:sp>
+    </p:spTree>
+    <p:extLst>
+      <p:ext uri="{BB962C8B-B14F-4D97-AF65-F5344CB8AC3E}">
+        <p14:creationId xmlns:p14="http://schemas.microsoft.com/office/powerpoint/2010/main" val="1949880625"/>
+      </p:ext>
+    </p:extLst>
+  </p:cSld>
+  <p:clrMapOvr>
+    <a:masterClrMapping/>
+  </p:clrMapOvr>
+</p:sld>
+</file>
+
+<file path=ppt/slides/slide5.xml><?xml version="1.0" encoding="utf-8"?>
+<p:sld xmlns:a="http://schemas.openxmlformats.org/drawingml/2006/main" xmlns:r="http://schemas.openxmlformats.org/officeDocument/2006/relationships" xmlns:p="http://schemas.openxmlformats.org/presentationml/2006/main">
+  <p:cSld>
+    <p:spTree>
+      <p:nvGrpSpPr>
+        <p:cNvPr id="1" name=""/>
+        <p:cNvGrpSpPr/>
+        <p:nvPr/>
+      </p:nvGrpSpPr>
+      <p:grpSpPr>
+        <a:xfrm>
+          <a:off x="0" y="0"/>
+          <a:ext cx="0" cy="0"/>
+          <a:chOff x="0" y="0"/>
+          <a:chExt cx="0" cy="0"/>
+        </a:xfrm>
+      </p:grpSpPr>
+      <p:sp>
+        <p:nvSpPr>
+          <p:cNvPr id="2" name="文本框 1">
+            <a:extLst>
+              <a:ext uri="{FF2B5EF4-FFF2-40B4-BE49-F238E27FC236}">
+                <a16:creationId xmlns:a16="http://schemas.microsoft.com/office/drawing/2014/main" id="{446EDE36-7832-4866-AA4A-39431B0D72E8}"/>
+              </a:ext>
+            </a:extLst>
+          </p:cNvPr>
+          <p:cNvSpPr txBox="1"/>
+          <p:nvPr/>
+        </p:nvSpPr>
+        <p:spPr>
+          <a:xfrm>
+            <a:off x="239165" y="173240"/>
+            <a:ext cx="1275477" cy="923330"/>
+          </a:xfrm>
+          <a:prstGeom prst="rect">
+            <a:avLst/>
+          </a:prstGeom>
+          <a:noFill/>
+        </p:spPr>
+        <p:txBody>
+          <a:bodyPr wrap="none" rtlCol="0">
+            <a:spAutoFit/>
+          </a:bodyPr>
+          <a:lstStyle/>
+          <a:p>
+            <a:r>
+              <a:rPr lang="en-US" altLang="zh-CN" dirty="0"/>
+              <a:t>Microscope</a:t>
+            </a:r>
+          </a:p>
+          <a:p>
+            <a:endParaRPr lang="en-US" dirty="0"/>
+          </a:p>
+          <a:p>
+            <a:endParaRPr lang="en-US" dirty="0"/>
+          </a:p>
+        </p:txBody>
+      </p:sp>
+      <p:pic>
+        <p:nvPicPr>
+          <p:cNvPr id="4" name="图片 3">
+            <a:extLst>
+              <a:ext uri="{FF2B5EF4-FFF2-40B4-BE49-F238E27FC236}">
+                <a16:creationId xmlns:a16="http://schemas.microsoft.com/office/drawing/2014/main" id="{84EA21AD-3FD0-4908-A900-44E2317F5320}"/>
+              </a:ext>
+            </a:extLst>
+          </p:cNvPr>
+          <p:cNvPicPr>
+            <a:picLocks noChangeAspect="1"/>
+          </p:cNvPicPr>
+          <p:nvPr/>
+        </p:nvPicPr>
+        <p:blipFill>
+          <a:blip r:embed="rId2"/>
+          <a:stretch>
+            <a:fillRect/>
+          </a:stretch>
+        </p:blipFill>
+        <p:spPr>
+          <a:xfrm>
+            <a:off x="365737" y="1535474"/>
+            <a:ext cx="3706390" cy="4622730"/>
+          </a:xfrm>
+          <a:prstGeom prst="rect">
+            <a:avLst/>
+          </a:prstGeom>
+        </p:spPr>
+      </p:pic>
+      <p:sp>
+        <p:nvSpPr>
+          <p:cNvPr id="5" name="文本框 4">
+            <a:extLst>
+              <a:ext uri="{FF2B5EF4-FFF2-40B4-BE49-F238E27FC236}">
+                <a16:creationId xmlns:a16="http://schemas.microsoft.com/office/drawing/2014/main" id="{782CBD3E-02A0-4BE1-A0F6-D5492024D632}"/>
+              </a:ext>
+            </a:extLst>
+          </p:cNvPr>
+          <p:cNvSpPr txBox="1"/>
+          <p:nvPr/>
+        </p:nvSpPr>
+        <p:spPr>
+          <a:xfrm>
+            <a:off x="260060" y="587229"/>
+            <a:ext cx="6840334" cy="553998"/>
+          </a:xfrm>
+          <a:prstGeom prst="rect">
+            <a:avLst/>
+          </a:prstGeom>
+          <a:noFill/>
+        </p:spPr>
+        <p:txBody>
+          <a:bodyPr wrap="none" rtlCol="0">
+            <a:spAutoFit/>
+          </a:bodyPr>
+          <a:lstStyle/>
+          <a:p>
+            <a:r>
+              <a:rPr lang="en-US" sz="1000" dirty="0"/>
+              <a:t>1,Microscope is a special device that inherit from </a:t>
+            </a:r>
+            <a:r>
+              <a:rPr lang="en-US" sz="1000" dirty="0" err="1"/>
+              <a:t>DockDevice</a:t>
+            </a:r>
+            <a:r>
+              <a:rPr lang="en-US" sz="1000" dirty="0"/>
+              <a:t> [ be able to </a:t>
+            </a:r>
+            <a:r>
+              <a:rPr lang="en-US" sz="1000" dirty="0" err="1"/>
+              <a:t>inserDevicePanel</a:t>
+            </a:r>
+            <a:r>
+              <a:rPr lang="en-US" sz="1000" dirty="0"/>
+              <a:t>],</a:t>
+            </a:r>
+            <a:br>
+              <a:rPr lang="en-US" sz="1000" dirty="0"/>
+            </a:br>
+            <a:r>
+              <a:rPr lang="en-US" sz="1000" dirty="0"/>
+              <a:t>                                                                                         </a:t>
+            </a:r>
+            <a:r>
+              <a:rPr lang="en-US" sz="1000" dirty="0" err="1"/>
+              <a:t>StageControler</a:t>
+            </a:r>
+            <a:r>
+              <a:rPr lang="en-US" sz="1000" dirty="0"/>
+              <a:t>[be able to move the stage by call the default stage’s function ] </a:t>
+            </a:r>
+            <a:br>
+              <a:rPr lang="en-US" sz="1000" dirty="0"/>
+            </a:br>
+            <a:r>
+              <a:rPr lang="en-US" sz="1000" dirty="0"/>
+              <a:t>                                                                                 and </a:t>
+            </a:r>
+            <a:r>
+              <a:rPr lang="en-US" sz="1000" dirty="0" err="1"/>
+              <a:t>DataListener</a:t>
+            </a:r>
+            <a:r>
+              <a:rPr lang="en-US" sz="1000" dirty="0"/>
+              <a:t>[be able to receive data] Interface.</a:t>
+            </a:r>
+          </a:p>
+        </p:txBody>
+      </p:sp>
+      <p:sp>
+        <p:nvSpPr>
+          <p:cNvPr id="7" name="文本框 6">
+            <a:extLst>
+              <a:ext uri="{FF2B5EF4-FFF2-40B4-BE49-F238E27FC236}">
+                <a16:creationId xmlns:a16="http://schemas.microsoft.com/office/drawing/2014/main" id="{38EF037C-DDB9-45BE-A539-BD22A9CDAF6A}"/>
+              </a:ext>
+            </a:extLst>
+          </p:cNvPr>
+          <p:cNvSpPr txBox="1"/>
+          <p:nvPr/>
+        </p:nvSpPr>
+        <p:spPr>
+          <a:xfrm>
+            <a:off x="3487740" y="2424563"/>
+            <a:ext cx="7166536" cy="246221"/>
+          </a:xfrm>
+          <a:prstGeom prst="rect">
+            <a:avLst/>
+          </a:prstGeom>
+          <a:noFill/>
+        </p:spPr>
+        <p:txBody>
+          <a:bodyPr wrap="square" rtlCol="0">
+            <a:spAutoFit/>
+          </a:bodyPr>
+          <a:lstStyle/>
+          <a:p>
+            <a:r>
+              <a:rPr lang="en-US" sz="1000" dirty="0">
+                <a:solidFill>
+                  <a:schemeClr val="tx1">
+                    <a:lumMod val="50000"/>
+                    <a:lumOff val="50000"/>
+                  </a:schemeClr>
+                </a:solidFill>
+              </a:rPr>
+              <a:t>Insert Device controller to the sub panel by calling the InserPanelTOmainframe.vi in the microscope </a:t>
+            </a:r>
+            <a:r>
+              <a:rPr lang="en-US" sz="1000" dirty="0" err="1">
+                <a:solidFill>
+                  <a:schemeClr val="tx1">
+                    <a:lumMod val="50000"/>
+                    <a:lumOff val="50000"/>
+                  </a:schemeClr>
+                </a:solidFill>
+              </a:rPr>
+              <a:t>controller.lvclass</a:t>
+            </a:r>
+            <a:endParaRPr lang="en-US" sz="1000" dirty="0">
+              <a:solidFill>
+                <a:schemeClr val="tx1">
+                  <a:lumMod val="50000"/>
+                  <a:lumOff val="50000"/>
+                </a:schemeClr>
+              </a:solidFill>
+            </a:endParaRPr>
+          </a:p>
+        </p:txBody>
+      </p:sp>
+      <p:sp>
+        <p:nvSpPr>
+          <p:cNvPr id="8" name="文本框 7">
+            <a:extLst>
+              <a:ext uri="{FF2B5EF4-FFF2-40B4-BE49-F238E27FC236}">
+                <a16:creationId xmlns:a16="http://schemas.microsoft.com/office/drawing/2014/main" id="{345AC5BD-A7CE-470D-8414-8594E32AF425}"/>
+              </a:ext>
+            </a:extLst>
+          </p:cNvPr>
+          <p:cNvSpPr txBox="1"/>
+          <p:nvPr/>
+        </p:nvSpPr>
+        <p:spPr>
+          <a:xfrm>
+            <a:off x="3487740" y="3942970"/>
+            <a:ext cx="7166536" cy="400110"/>
+          </a:xfrm>
+          <a:prstGeom prst="rect">
+            <a:avLst/>
+          </a:prstGeom>
+          <a:noFill/>
+        </p:spPr>
+        <p:txBody>
+          <a:bodyPr wrap="square" rtlCol="0">
+            <a:spAutoFit/>
+          </a:bodyPr>
+          <a:lstStyle/>
+          <a:p>
+            <a:r>
+              <a:rPr lang="en-US" sz="1000" dirty="0">
+                <a:solidFill>
+                  <a:schemeClr val="tx1">
+                    <a:lumMod val="50000"/>
+                    <a:lumOff val="50000"/>
+                  </a:schemeClr>
+                </a:solidFill>
+              </a:rPr>
+              <a:t>Is slightly different from the other </a:t>
+            </a:r>
+            <a:r>
+              <a:rPr lang="en-US" sz="1000" dirty="0" err="1">
+                <a:solidFill>
+                  <a:schemeClr val="tx1">
+                    <a:lumMod val="50000"/>
+                    <a:lumOff val="50000"/>
+                  </a:schemeClr>
+                </a:solidFill>
+              </a:rPr>
+              <a:t>LoadController</a:t>
+            </a:r>
+            <a:r>
+              <a:rPr lang="en-US" sz="1000" dirty="0">
+                <a:solidFill>
+                  <a:schemeClr val="tx1">
+                    <a:lumMod val="50000"/>
+                    <a:lumOff val="50000"/>
+                  </a:schemeClr>
+                </a:solidFill>
+              </a:rPr>
+              <a:t> in the normal Devices, it override the </a:t>
+            </a:r>
+            <a:r>
+              <a:rPr lang="en-US" sz="1000" dirty="0" err="1">
+                <a:solidFill>
+                  <a:schemeClr val="tx1">
+                    <a:lumMod val="50000"/>
+                    <a:lumOff val="50000"/>
+                  </a:schemeClr>
+                </a:solidFill>
+              </a:rPr>
+              <a:t>LoadController</a:t>
+            </a:r>
+            <a:r>
+              <a:rPr lang="en-US" sz="1000" dirty="0">
+                <a:solidFill>
+                  <a:schemeClr val="tx1">
+                    <a:lumMod val="50000"/>
+                    <a:lumOff val="50000"/>
+                  </a:schemeClr>
+                </a:solidFill>
+              </a:rPr>
+              <a:t> by adding the call to Detect</a:t>
+            </a:r>
+            <a:r>
+              <a:rPr lang="en-US" altLang="zh-CN" sz="1000" dirty="0">
+                <a:solidFill>
+                  <a:schemeClr val="tx1">
+                    <a:lumMod val="50000"/>
+                    <a:lumOff val="50000"/>
+                  </a:schemeClr>
+                </a:solidFill>
+              </a:rPr>
+              <a:t>hardware.vi and LoadAllHardware.vi</a:t>
+            </a:r>
+            <a:endParaRPr lang="en-US" sz="1000" dirty="0">
+              <a:solidFill>
+                <a:schemeClr val="tx1">
+                  <a:lumMod val="50000"/>
+                  <a:lumOff val="50000"/>
+                </a:schemeClr>
+              </a:solidFill>
+            </a:endParaRPr>
+          </a:p>
+        </p:txBody>
+      </p:sp>
+      <p:sp>
+        <p:nvSpPr>
+          <p:cNvPr id="9" name="文本框 8">
+            <a:extLst>
+              <a:ext uri="{FF2B5EF4-FFF2-40B4-BE49-F238E27FC236}">
+                <a16:creationId xmlns:a16="http://schemas.microsoft.com/office/drawing/2014/main" id="{5DE5CDE3-9E08-4E65-B4F0-25C9B3C72829}"/>
+              </a:ext>
+            </a:extLst>
+          </p:cNvPr>
+          <p:cNvSpPr txBox="1"/>
+          <p:nvPr/>
+        </p:nvSpPr>
+        <p:spPr>
+          <a:xfrm>
+            <a:off x="3487740" y="4538589"/>
+            <a:ext cx="7166536" cy="246221"/>
+          </a:xfrm>
+          <a:prstGeom prst="rect">
+            <a:avLst/>
+          </a:prstGeom>
+          <a:noFill/>
+        </p:spPr>
+        <p:txBody>
+          <a:bodyPr wrap="square" rtlCol="0">
+            <a:spAutoFit/>
+          </a:bodyPr>
+          <a:lstStyle/>
+          <a:p>
+            <a:r>
+              <a:rPr lang="en-US" sz="1000" dirty="0">
+                <a:solidFill>
+                  <a:schemeClr val="tx1">
+                    <a:lumMod val="50000"/>
+                    <a:lumOff val="50000"/>
+                  </a:schemeClr>
+                </a:solidFill>
+              </a:rPr>
+              <a:t>Add device to the Device list,</a:t>
+            </a:r>
+          </a:p>
+        </p:txBody>
+      </p:sp>
+      <p:sp>
+        <p:nvSpPr>
+          <p:cNvPr id="10" name="文本框 9">
+            <a:extLst>
+              <a:ext uri="{FF2B5EF4-FFF2-40B4-BE49-F238E27FC236}">
+                <a16:creationId xmlns:a16="http://schemas.microsoft.com/office/drawing/2014/main" id="{F73449F4-C68C-4578-9878-623A8C4E4FF0}"/>
+              </a:ext>
+            </a:extLst>
+          </p:cNvPr>
+          <p:cNvSpPr txBox="1"/>
+          <p:nvPr/>
+        </p:nvSpPr>
+        <p:spPr>
+          <a:xfrm>
+            <a:off x="3487740" y="5218097"/>
+            <a:ext cx="7166536" cy="246221"/>
+          </a:xfrm>
+          <a:prstGeom prst="rect">
+            <a:avLst/>
+          </a:prstGeom>
+          <a:noFill/>
+        </p:spPr>
+        <p:txBody>
+          <a:bodyPr wrap="square" rtlCol="0">
+            <a:spAutoFit/>
+          </a:bodyPr>
+          <a:lstStyle/>
+          <a:p>
+            <a:r>
+              <a:rPr lang="en-US" sz="1000" dirty="0">
+                <a:solidFill>
+                  <a:schemeClr val="tx1">
+                    <a:lumMod val="50000"/>
+                    <a:lumOff val="50000"/>
+                  </a:schemeClr>
+                </a:solidFill>
+              </a:rPr>
+              <a:t>Load device and save the enqueuer to the Device enqueuer list</a:t>
+            </a:r>
+          </a:p>
+        </p:txBody>
+      </p:sp>
+      <p:sp>
+        <p:nvSpPr>
+          <p:cNvPr id="11" name="文本框 10">
+            <a:extLst>
+              <a:ext uri="{FF2B5EF4-FFF2-40B4-BE49-F238E27FC236}">
+                <a16:creationId xmlns:a16="http://schemas.microsoft.com/office/drawing/2014/main" id="{74B26055-18E7-416F-B692-B70E9440DAD9}"/>
+              </a:ext>
+            </a:extLst>
+          </p:cNvPr>
+          <p:cNvSpPr txBox="1"/>
+          <p:nvPr/>
+        </p:nvSpPr>
+        <p:spPr>
+          <a:xfrm>
+            <a:off x="3479351" y="4303697"/>
+            <a:ext cx="7166536" cy="246221"/>
+          </a:xfrm>
+          <a:prstGeom prst="rect">
+            <a:avLst/>
+          </a:prstGeom>
+          <a:noFill/>
+        </p:spPr>
+        <p:txBody>
+          <a:bodyPr wrap="square" rtlCol="0">
+            <a:spAutoFit/>
+          </a:bodyPr>
+          <a:lstStyle/>
+          <a:p>
+            <a:r>
+              <a:rPr lang="en-US" sz="1000" dirty="0">
+                <a:solidFill>
+                  <a:schemeClr val="tx1">
+                    <a:lumMod val="50000"/>
+                    <a:lumOff val="50000"/>
+                  </a:schemeClr>
+                </a:solidFill>
+              </a:rPr>
+              <a:t>Remove and shut down all the devices!</a:t>
+            </a:r>
+          </a:p>
+        </p:txBody>
+      </p:sp>
+    </p:spTree>
+    <p:extLst>
+      <p:ext uri="{BB962C8B-B14F-4D97-AF65-F5344CB8AC3E}">
+        <p14:creationId xmlns:p14="http://schemas.microsoft.com/office/powerpoint/2010/main" val="3885510221"/>
+      </p:ext>
+    </p:extLst>
+  </p:cSld>
+  <p:clrMapOvr>
+    <a:masterClrMapping/>
+  </p:clrMapOvr>
+</p:sld>
+</file>
+
+<file path=ppt/slides/slide6.xml><?xml version="1.0" encoding="utf-8"?>
+<p:sld xmlns:a="http://schemas.openxmlformats.org/drawingml/2006/main" xmlns:r="http://schemas.openxmlformats.org/officeDocument/2006/relationships" xmlns:p="http://schemas.openxmlformats.org/presentationml/2006/main">
+  <p:cSld>
+    <p:spTree>
+      <p:nvGrpSpPr>
+        <p:cNvPr id="1" name=""/>
+        <p:cNvGrpSpPr/>
+        <p:nvPr/>
+      </p:nvGrpSpPr>
+      <p:grpSpPr>
+        <a:xfrm>
+          <a:off x="0" y="0"/>
+          <a:ext cx="0" cy="0"/>
+          <a:chOff x="0" y="0"/>
+          <a:chExt cx="0" cy="0"/>
+        </a:xfrm>
+      </p:grpSpPr>
+      <p:sp>
+        <p:nvSpPr>
           <p:cNvPr id="2" name="矩形: 圆角 1">
             <a:extLst>
               <a:ext uri="{FF2B5EF4-FFF2-40B4-BE49-F238E27FC236}">
@@ -15298,7 +16157,7 @@
 </p:sld>
 </file>
 
-<file path=ppt/slides/slide5.xml><?xml version="1.0" encoding="utf-8"?>
+<file path=ppt/slides/slide7.xml><?xml version="1.0" encoding="utf-8"?>
 <p:sld xmlns:a="http://schemas.openxmlformats.org/drawingml/2006/main" xmlns:r="http://schemas.openxmlformats.org/officeDocument/2006/relationships" xmlns:p="http://schemas.openxmlformats.org/presentationml/2006/main">
   <p:cSld>
     <p:spTree>
@@ -15315,12 +16174,59 @@
           <a:chExt cx="0" cy="0"/>
         </a:xfrm>
       </p:grpSpPr>
+      <p:pic>
+        <p:nvPicPr>
+          <p:cNvPr id="1026" name="Picture 2" descr="Observer Pattern: Object Oriented PHP | by James Samuel | codeburst">
+            <a:extLst>
+              <a:ext uri="{FF2B5EF4-FFF2-40B4-BE49-F238E27FC236}">
+                <a16:creationId xmlns:a16="http://schemas.microsoft.com/office/drawing/2014/main" id="{0A0859EB-ADB2-49AE-B9AE-24693D055B86}"/>
+              </a:ext>
+            </a:extLst>
+          </p:cNvPr>
+          <p:cNvPicPr>
+            <a:picLocks noChangeAspect="1" noChangeArrowheads="1"/>
+          </p:cNvPicPr>
+          <p:nvPr/>
+        </p:nvPicPr>
+        <p:blipFill>
+          <a:blip r:embed="rId2">
+            <a:extLst>
+              <a:ext uri="{28A0092B-C50C-407E-A947-70E740481C1C}">
+                <a14:useLocalDpi xmlns:a14="http://schemas.microsoft.com/office/drawing/2010/main" val="0"/>
+              </a:ext>
+            </a:extLst>
+          </a:blip>
+          <a:srcRect/>
+          <a:stretch>
+            <a:fillRect/>
+          </a:stretch>
+        </p:blipFill>
+        <p:spPr bwMode="auto">
+          <a:xfrm>
+            <a:off x="1511559" y="1380930"/>
+            <a:ext cx="9570679" cy="4536103"/>
+          </a:xfrm>
+          <a:prstGeom prst="rect">
+            <a:avLst/>
+          </a:prstGeom>
+          <a:noFill/>
+          <a:extLst>
+            <a:ext uri="{909E8E84-426E-40DD-AFC4-6F175D3DCCD1}">
+              <a14:hiddenFill xmlns:a14="http://schemas.microsoft.com/office/drawing/2010/main">
+                <a:solidFill>
+                  <a:srgbClr val="FFFFFF"/>
+                </a:solidFill>
+              </a14:hiddenFill>
+            </a:ext>
+          </a:extLst>
+        </p:spPr>
+      </p:pic>
       <p:sp>
         <p:nvSpPr>
-          <p:cNvPr id="2" name="文本框 1">
-            <a:extLst>
-              <a:ext uri="{FF2B5EF4-FFF2-40B4-BE49-F238E27FC236}">
-                <a16:creationId xmlns:a16="http://schemas.microsoft.com/office/drawing/2014/main" id="{AAEDC23A-9F8C-4C5D-B7A4-6FECF98217DF}"/>
+          <p:cNvPr id="2" name="TextBox 1">
+            <a:extLst>
+              <a:ext uri="{FF2B5EF4-FFF2-40B4-BE49-F238E27FC236}">
+                <a16:creationId xmlns:a16="http://schemas.microsoft.com/office/drawing/2014/main" id="{A54858D1-2F0B-44D4-910B-8CA63560FA27}"/>
               </a:ext>
             </a:extLst>
           </p:cNvPr>
@@ -15329,8 +16235,8 @@
         </p:nvSpPr>
         <p:spPr>
           <a:xfrm>
-            <a:off x="239165" y="173240"/>
-            <a:ext cx="1806328" cy="923330"/>
+            <a:off x="1511559" y="1380930"/>
+            <a:ext cx="2217467" cy="369332"/>
           </a:xfrm>
           <a:prstGeom prst="rect">
             <a:avLst/>
@@ -15344,24 +16250,18 @@
           <a:lstStyle/>
           <a:p>
             <a:r>
-              <a:rPr lang="en-US" altLang="zh-CN" dirty="0"/>
-              <a:t>Device Controller</a:t>
-            </a:r>
-          </a:p>
-          <a:p>
-            <a:endParaRPr lang="en-US" dirty="0"/>
-          </a:p>
-          <a:p>
-            <a:endParaRPr lang="en-US" dirty="0"/>
+              <a:rPr lang="en-US" dirty="0"/>
+              <a:t>Devices(Add Listener)</a:t>
+            </a:r>
           </a:p>
         </p:txBody>
       </p:sp>
       <p:sp>
         <p:nvSpPr>
-          <p:cNvPr id="3" name="文本框 2">
-            <a:extLst>
-              <a:ext uri="{FF2B5EF4-FFF2-40B4-BE49-F238E27FC236}">
-                <a16:creationId xmlns:a16="http://schemas.microsoft.com/office/drawing/2014/main" id="{A2638B25-3464-4CE9-A955-5FAA2466EFA0}"/>
+          <p:cNvPr id="4" name="TextBox 3">
+            <a:extLst>
+              <a:ext uri="{FF2B5EF4-FFF2-40B4-BE49-F238E27FC236}">
+                <a16:creationId xmlns:a16="http://schemas.microsoft.com/office/drawing/2014/main" id="{4B800CEA-972E-4232-AA06-C8347A0ED7A5}"/>
               </a:ext>
             </a:extLst>
           </p:cNvPr>
@@ -15370,8 +16270,8 @@
         </p:nvSpPr>
         <p:spPr>
           <a:xfrm>
-            <a:off x="260060" y="587229"/>
-            <a:ext cx="4559261" cy="553998"/>
+            <a:off x="6615404" y="1017037"/>
+            <a:ext cx="3305777" cy="369332"/>
           </a:xfrm>
           <a:prstGeom prst="rect">
             <a:avLst/>
@@ -15385,247 +16285,8 @@
           <a:lstStyle/>
           <a:p>
             <a:r>
-              <a:rPr lang="en-US" sz="1000" dirty="0"/>
-              <a:t>1,Device controllers  the user interfaces to control the device</a:t>
-            </a:r>
-          </a:p>
-          <a:p>
-            <a:r>
-              <a:rPr lang="en-US" sz="1000" dirty="0"/>
-              <a:t>2, it is created from the UI template [ or form the controller template in the project]</a:t>
-            </a:r>
-          </a:p>
-          <a:p>
-            <a:r>
-              <a:rPr lang="en-US" sz="1000" dirty="0"/>
-              <a:t>3, inherit from the Data Listener Interface to receive data.</a:t>
-            </a:r>
-          </a:p>
-        </p:txBody>
-      </p:sp>
-      <p:pic>
-        <p:nvPicPr>
-          <p:cNvPr id="5" name="图片 4">
-            <a:extLst>
-              <a:ext uri="{FF2B5EF4-FFF2-40B4-BE49-F238E27FC236}">
-                <a16:creationId xmlns:a16="http://schemas.microsoft.com/office/drawing/2014/main" id="{E8B85786-B1CD-463B-9EF4-BAE3C2C40D1D}"/>
-              </a:ext>
-            </a:extLst>
-          </p:cNvPr>
-          <p:cNvPicPr>
-            <a:picLocks noChangeAspect="1"/>
-          </p:cNvPicPr>
-          <p:nvPr/>
-        </p:nvPicPr>
-        <p:blipFill rotWithShape="1">
-          <a:blip r:embed="rId2"/>
-          <a:srcRect b="45326"/>
-          <a:stretch/>
-        </p:blipFill>
-        <p:spPr>
-          <a:xfrm>
-            <a:off x="217298" y="1340830"/>
-            <a:ext cx="3895796" cy="2736647"/>
-          </a:xfrm>
-          <a:prstGeom prst="rect">
-            <a:avLst/>
-          </a:prstGeom>
-        </p:spPr>
-      </p:pic>
-      <p:pic>
-        <p:nvPicPr>
-          <p:cNvPr id="7" name="图片 6">
-            <a:extLst>
-              <a:ext uri="{FF2B5EF4-FFF2-40B4-BE49-F238E27FC236}">
-                <a16:creationId xmlns:a16="http://schemas.microsoft.com/office/drawing/2014/main" id="{98D61196-F994-47C4-8E2F-5F9393749CF0}"/>
-              </a:ext>
-            </a:extLst>
-          </p:cNvPr>
-          <p:cNvPicPr>
-            <a:picLocks noChangeAspect="1"/>
-          </p:cNvPicPr>
-          <p:nvPr/>
-        </p:nvPicPr>
-        <p:blipFill>
-          <a:blip r:embed="rId3"/>
-          <a:stretch>
-            <a:fillRect/>
-          </a:stretch>
-        </p:blipFill>
-        <p:spPr>
-          <a:xfrm>
-            <a:off x="231610" y="4174143"/>
-            <a:ext cx="3706481" cy="2273309"/>
-          </a:xfrm>
-          <a:prstGeom prst="rect">
-            <a:avLst/>
-          </a:prstGeom>
-        </p:spPr>
-      </p:pic>
-      <p:sp>
-        <p:nvSpPr>
-          <p:cNvPr id="8" name="文本框 7">
-            <a:extLst>
-              <a:ext uri="{FF2B5EF4-FFF2-40B4-BE49-F238E27FC236}">
-                <a16:creationId xmlns:a16="http://schemas.microsoft.com/office/drawing/2014/main" id="{F5CC6750-5DDD-48B1-9ABB-87281C9854AC}"/>
-              </a:ext>
-            </a:extLst>
-          </p:cNvPr>
-          <p:cNvSpPr txBox="1"/>
-          <p:nvPr/>
-        </p:nvSpPr>
-        <p:spPr>
-          <a:xfrm>
-            <a:off x="3171783" y="1736067"/>
-            <a:ext cx="7166536" cy="246221"/>
-          </a:xfrm>
-          <a:prstGeom prst="rect">
-            <a:avLst/>
-          </a:prstGeom>
-          <a:noFill/>
-        </p:spPr>
-        <p:txBody>
-          <a:bodyPr wrap="square" rtlCol="0">
-            <a:spAutoFit/>
-          </a:bodyPr>
-          <a:lstStyle/>
-          <a:p>
-            <a:r>
-              <a:rPr lang="en-US" sz="1000" dirty="0">
-                <a:solidFill>
-                  <a:schemeClr val="tx1">
-                    <a:lumMod val="50000"/>
-                    <a:lumOff val="50000"/>
-                  </a:schemeClr>
-                </a:solidFill>
-              </a:rPr>
-              <a:t>User can change the appearance in actor core. User events are handled in a ‘helper loop’ </a:t>
-            </a:r>
-          </a:p>
-        </p:txBody>
-      </p:sp>
-      <p:sp>
-        <p:nvSpPr>
-          <p:cNvPr id="9" name="文本框 8">
-            <a:extLst>
-              <a:ext uri="{FF2B5EF4-FFF2-40B4-BE49-F238E27FC236}">
-                <a16:creationId xmlns:a16="http://schemas.microsoft.com/office/drawing/2014/main" id="{E6B9851C-1922-46A0-9AAB-6D59086F00C9}"/>
-              </a:ext>
-            </a:extLst>
-          </p:cNvPr>
-          <p:cNvSpPr txBox="1"/>
-          <p:nvPr/>
-        </p:nvSpPr>
-        <p:spPr>
-          <a:xfrm>
-            <a:off x="3143791" y="2323895"/>
-            <a:ext cx="7166536" cy="246221"/>
-          </a:xfrm>
-          <a:prstGeom prst="rect">
-            <a:avLst/>
-          </a:prstGeom>
-          <a:noFill/>
-        </p:spPr>
-        <p:txBody>
-          <a:bodyPr wrap="square" rtlCol="0">
-            <a:spAutoFit/>
-          </a:bodyPr>
-          <a:lstStyle/>
-          <a:p>
-            <a:r>
-              <a:rPr lang="en-US" sz="1000" dirty="0">
-                <a:solidFill>
-                  <a:schemeClr val="tx1">
-                    <a:lumMod val="50000"/>
-                    <a:lumOff val="50000"/>
-                  </a:schemeClr>
-                </a:solidFill>
-              </a:rPr>
-              <a:t>Parse and dispatch data to show in the UI</a:t>
-            </a:r>
-          </a:p>
-        </p:txBody>
-      </p:sp>
-      <p:sp>
-        <p:nvSpPr>
-          <p:cNvPr id="10" name="文本框 9">
-            <a:extLst>
-              <a:ext uri="{FF2B5EF4-FFF2-40B4-BE49-F238E27FC236}">
-                <a16:creationId xmlns:a16="http://schemas.microsoft.com/office/drawing/2014/main" id="{046375F4-8BE1-4184-8141-8A997AEEADEB}"/>
-              </a:ext>
-            </a:extLst>
-          </p:cNvPr>
-          <p:cNvSpPr txBox="1"/>
-          <p:nvPr/>
-        </p:nvSpPr>
-        <p:spPr>
-          <a:xfrm>
-            <a:off x="3152180" y="2558787"/>
-            <a:ext cx="7166536" cy="246221"/>
-          </a:xfrm>
-          <a:prstGeom prst="rect">
-            <a:avLst/>
-          </a:prstGeom>
-          <a:noFill/>
-        </p:spPr>
-        <p:txBody>
-          <a:bodyPr wrap="square" rtlCol="0">
-            <a:spAutoFit/>
-          </a:bodyPr>
-          <a:lstStyle/>
-          <a:p>
-            <a:r>
-              <a:rPr lang="en-US" sz="1000" dirty="0">
-                <a:solidFill>
-                  <a:schemeClr val="tx1">
-                    <a:lumMod val="50000"/>
-                    <a:lumOff val="50000"/>
-                  </a:schemeClr>
-                </a:solidFill>
-              </a:rPr>
-              <a:t>Post self VI Refences to the caller</a:t>
-            </a:r>
-          </a:p>
-        </p:txBody>
-      </p:sp>
-      <p:sp>
-        <p:nvSpPr>
-          <p:cNvPr id="11" name="文本框 10">
-            <a:extLst>
-              <a:ext uri="{FF2B5EF4-FFF2-40B4-BE49-F238E27FC236}">
-                <a16:creationId xmlns:a16="http://schemas.microsoft.com/office/drawing/2014/main" id="{C8C414AE-6158-4F9C-AE42-1E9FC9B8582A}"/>
-              </a:ext>
-            </a:extLst>
-          </p:cNvPr>
-          <p:cNvSpPr txBox="1"/>
-          <p:nvPr/>
-        </p:nvSpPr>
-        <p:spPr>
-          <a:xfrm>
-            <a:off x="3210903" y="3338963"/>
-            <a:ext cx="7166536" cy="246221"/>
-          </a:xfrm>
-          <a:prstGeom prst="rect">
-            <a:avLst/>
-          </a:prstGeom>
-          <a:noFill/>
-        </p:spPr>
-        <p:txBody>
-          <a:bodyPr wrap="square" rtlCol="0">
-            <a:spAutoFit/>
-          </a:bodyPr>
-          <a:lstStyle/>
-          <a:p>
-            <a:r>
-              <a:rPr lang="en-US" sz="1000" dirty="0">
-                <a:solidFill>
-                  <a:schemeClr val="tx1">
-                    <a:lumMod val="50000"/>
-                    <a:lumOff val="50000"/>
-                  </a:schemeClr>
-                </a:solidFill>
-              </a:rPr>
-              <a:t>Call in the OnDataChange.vi</a:t>
+              <a:rPr lang="en-US" dirty="0"/>
+              <a:t>Listener (React on Data Changed)</a:t>
             </a:r>
           </a:p>
         </p:txBody>
@@ -15633,7 +16294,7 @@
     </p:spTree>
     <p:extLst>
       <p:ext uri="{BB962C8B-B14F-4D97-AF65-F5344CB8AC3E}">
-        <p14:creationId xmlns:p14="http://schemas.microsoft.com/office/powerpoint/2010/main" val="1949880625"/>
+        <p14:creationId xmlns:p14="http://schemas.microsoft.com/office/powerpoint/2010/main" val="3936157710"/>
       </p:ext>
     </p:extLst>
   </p:cSld>
@@ -15643,7 +16304,7 @@
 </p:sld>
 </file>
 
-<file path=ppt/slides/slide6.xml><?xml version="1.0" encoding="utf-8"?>
+<file path=ppt/slides/slide8.xml><?xml version="1.0" encoding="utf-8"?>
 <p:sld xmlns:a="http://schemas.openxmlformats.org/drawingml/2006/main" xmlns:r="http://schemas.openxmlformats.org/officeDocument/2006/relationships" xmlns:p="http://schemas.openxmlformats.org/presentationml/2006/main">
   <p:cSld>
     <p:spTree>
@@ -15660,12 +16321,57 @@
           <a:chExt cx="0" cy="0"/>
         </a:xfrm>
       </p:grpSpPr>
+      <p:pic>
+        <p:nvPicPr>
+          <p:cNvPr id="2050" name="Picture 2" descr="Chain of Responsibility pattern">
+            <a:extLst>
+              <a:ext uri="{FF2B5EF4-FFF2-40B4-BE49-F238E27FC236}">
+                <a16:creationId xmlns:a16="http://schemas.microsoft.com/office/drawing/2014/main" id="{2E0A14BB-9839-459F-B5A8-1B29A1763EBA}"/>
+              </a:ext>
+            </a:extLst>
+          </p:cNvPr>
+          <p:cNvPicPr>
+            <a:picLocks noChangeAspect="1" noChangeArrowheads="1"/>
+          </p:cNvPicPr>
+          <p:nvPr/>
+        </p:nvPicPr>
+        <p:blipFill rotWithShape="1">
+          <a:blip r:embed="rId2">
+            <a:extLst>
+              <a:ext uri="{28A0092B-C50C-407E-A947-70E740481C1C}">
+                <a14:useLocalDpi xmlns:a14="http://schemas.microsoft.com/office/drawing/2010/main" val="0"/>
+              </a:ext>
+            </a:extLst>
+          </a:blip>
+          <a:srcRect l="37550" t="11468"/>
+          <a:stretch/>
+        </p:blipFill>
+        <p:spPr bwMode="auto">
+          <a:xfrm>
+            <a:off x="8724763" y="1698171"/>
+            <a:ext cx="1653656" cy="3676650"/>
+          </a:xfrm>
+          <a:prstGeom prst="rect">
+            <a:avLst/>
+          </a:prstGeom>
+          <a:noFill/>
+          <a:extLst>
+            <a:ext uri="{909E8E84-426E-40DD-AFC4-6F175D3DCCD1}">
+              <a14:hiddenFill xmlns:a14="http://schemas.microsoft.com/office/drawing/2010/main">
+                <a:solidFill>
+                  <a:srgbClr val="FFFFFF"/>
+                </a:solidFill>
+              </a14:hiddenFill>
+            </a:ext>
+          </a:extLst>
+        </p:spPr>
+      </p:pic>
       <p:sp>
         <p:nvSpPr>
-          <p:cNvPr id="2" name="文本框 1">
-            <a:extLst>
-              <a:ext uri="{FF2B5EF4-FFF2-40B4-BE49-F238E27FC236}">
-                <a16:creationId xmlns:a16="http://schemas.microsoft.com/office/drawing/2014/main" id="{446EDE36-7832-4866-AA4A-39431B0D72E8}"/>
+          <p:cNvPr id="2" name="TextBox 1">
+            <a:extLst>
+              <a:ext uri="{FF2B5EF4-FFF2-40B4-BE49-F238E27FC236}">
+                <a16:creationId xmlns:a16="http://schemas.microsoft.com/office/drawing/2014/main" id="{E0481D0B-8F68-4A0D-A030-6547CD570961}"/>
               </a:ext>
             </a:extLst>
           </p:cNvPr>
@@ -15674,8 +16380,8 @@
         </p:nvSpPr>
         <p:spPr>
           <a:xfrm>
-            <a:off x="239165" y="173240"/>
-            <a:ext cx="1275477" cy="923330"/>
+            <a:off x="522514" y="559836"/>
+            <a:ext cx="2699778" cy="369332"/>
           </a:xfrm>
           <a:prstGeom prst="rect">
             <a:avLst/>
@@ -15689,54 +16395,59 @@
           <a:lstStyle/>
           <a:p>
             <a:r>
-              <a:rPr lang="en-US" altLang="zh-CN" dirty="0"/>
-              <a:t>Microscope</a:t>
-            </a:r>
-          </a:p>
-          <a:p>
-            <a:endParaRPr lang="en-US" dirty="0"/>
-          </a:p>
-          <a:p>
-            <a:endParaRPr lang="en-US" dirty="0"/>
+              <a:rPr lang="en-US" dirty="0"/>
+              <a:t>Camera: Generates Images</a:t>
+            </a:r>
           </a:p>
         </p:txBody>
       </p:sp>
-      <p:pic>
-        <p:nvPicPr>
-          <p:cNvPr id="4" name="图片 3">
-            <a:extLst>
-              <a:ext uri="{FF2B5EF4-FFF2-40B4-BE49-F238E27FC236}">
-                <a16:creationId xmlns:a16="http://schemas.microsoft.com/office/drawing/2014/main" id="{84EA21AD-3FD0-4908-A900-44E2317F5320}"/>
-              </a:ext>
-            </a:extLst>
-          </p:cNvPr>
-          <p:cNvPicPr>
-            <a:picLocks noChangeAspect="1"/>
-          </p:cNvPicPr>
+      <p:cxnSp>
+        <p:nvCxnSpPr>
+          <p:cNvPr id="4" name="Straight Arrow Connector 3">
+            <a:extLst>
+              <a:ext uri="{FF2B5EF4-FFF2-40B4-BE49-F238E27FC236}">
+                <a16:creationId xmlns:a16="http://schemas.microsoft.com/office/drawing/2014/main" id="{910FFE63-3BFA-4C3F-BA99-3B951F84DB11}"/>
+              </a:ext>
+            </a:extLst>
+          </p:cNvPr>
+          <p:cNvCxnSpPr>
+            <a:cxnSpLocks/>
+          </p:cNvCxnSpPr>
           <p:nvPr/>
-        </p:nvPicPr>
-        <p:blipFill>
-          <a:blip r:embed="rId2"/>
-          <a:stretch>
-            <a:fillRect/>
-          </a:stretch>
-        </p:blipFill>
+        </p:nvCxnSpPr>
         <p:spPr>
           <a:xfrm>
-            <a:off x="365737" y="1535474"/>
-            <a:ext cx="3706390" cy="4622730"/>
+            <a:off x="5458068" y="776184"/>
+            <a:ext cx="3266695" cy="0"/>
           </a:xfrm>
-          <a:prstGeom prst="rect">
+          <a:prstGeom prst="straightConnector1">
             <a:avLst/>
           </a:prstGeom>
+          <a:ln>
+            <a:tailEnd type="triangle"/>
+          </a:ln>
         </p:spPr>
-      </p:pic>
+        <p:style>
+          <a:lnRef idx="1">
+            <a:schemeClr val="accent1"/>
+          </a:lnRef>
+          <a:fillRef idx="0">
+            <a:schemeClr val="accent1"/>
+          </a:fillRef>
+          <a:effectRef idx="0">
+            <a:schemeClr val="accent1"/>
+          </a:effectRef>
+          <a:fontRef idx="minor">
+            <a:schemeClr val="tx1"/>
+          </a:fontRef>
+        </p:style>
+      </p:cxnSp>
       <p:sp>
         <p:nvSpPr>
-          <p:cNvPr id="5" name="文本框 4">
-            <a:extLst>
-              <a:ext uri="{FF2B5EF4-FFF2-40B4-BE49-F238E27FC236}">
-                <a16:creationId xmlns:a16="http://schemas.microsoft.com/office/drawing/2014/main" id="{782CBD3E-02A0-4BE1-A0F6-D5492024D632}"/>
+          <p:cNvPr id="6" name="TextBox 5">
+            <a:extLst>
+              <a:ext uri="{FF2B5EF4-FFF2-40B4-BE49-F238E27FC236}">
+                <a16:creationId xmlns:a16="http://schemas.microsoft.com/office/drawing/2014/main" id="{7E26A608-D515-4C17-83C0-AB7C669F41F1}"/>
               </a:ext>
             </a:extLst>
           </p:cNvPr>
@@ -15745,8 +16456,8 @@
         </p:nvSpPr>
         <p:spPr>
           <a:xfrm>
-            <a:off x="260060" y="587229"/>
-            <a:ext cx="6840334" cy="553998"/>
+            <a:off x="4182591" y="569167"/>
+            <a:ext cx="1275477" cy="369332"/>
           </a:xfrm>
           <a:prstGeom prst="rect">
             <a:avLst/>
@@ -15760,64 +16471,18 @@
           <a:lstStyle/>
           <a:p>
             <a:r>
-              <a:rPr lang="en-US" sz="1000" dirty="0"/>
-              <a:t>1,Microscope is a special device that inherit from </a:t>
-            </a:r>
-            <a:r>
-              <a:rPr lang="en-US" sz="1000" dirty="0" err="1"/>
-              <a:t>DockDevice</a:t>
-            </a:r>
-            <a:r>
-              <a:rPr lang="en-US" sz="1000" dirty="0"/>
-              <a:t> [ be able to </a:t>
-            </a:r>
-            <a:r>
-              <a:rPr lang="en-US" sz="1000" dirty="0" err="1"/>
-              <a:t>inserDevicePanel</a:t>
-            </a:r>
-            <a:r>
-              <a:rPr lang="en-US" sz="1000" dirty="0"/>
-              <a:t>],</a:t>
-            </a:r>
-            <a:br>
-              <a:rPr lang="en-US" sz="1000" dirty="0"/>
-            </a:br>
-            <a:r>
-              <a:rPr lang="en-US" sz="1000" dirty="0"/>
-              <a:t>                                                                                         </a:t>
-            </a:r>
-            <a:r>
-              <a:rPr lang="en-US" sz="1000" dirty="0" err="1"/>
-              <a:t>StageControler</a:t>
-            </a:r>
-            <a:r>
-              <a:rPr lang="en-US" sz="1000" dirty="0"/>
-              <a:t>[be able to move the stage by call the default stage’s function ] </a:t>
-            </a:r>
-            <a:br>
-              <a:rPr lang="en-US" sz="1000" dirty="0"/>
-            </a:br>
-            <a:r>
-              <a:rPr lang="en-US" sz="1000" dirty="0"/>
-              <a:t>                                                                                 and </a:t>
-            </a:r>
-            <a:r>
-              <a:rPr lang="en-US" sz="1000" dirty="0" err="1"/>
-              <a:t>DataListener</a:t>
-            </a:r>
-            <a:r>
-              <a:rPr lang="en-US" sz="1000" dirty="0"/>
-              <a:t>[be able to receive data] Interface.</a:t>
+              <a:rPr lang="en-US" dirty="0"/>
+              <a:t>Microscope</a:t>
             </a:r>
           </a:p>
         </p:txBody>
       </p:sp>
       <p:sp>
         <p:nvSpPr>
-          <p:cNvPr id="7" name="文本框 6">
-            <a:extLst>
-              <a:ext uri="{FF2B5EF4-FFF2-40B4-BE49-F238E27FC236}">
-                <a16:creationId xmlns:a16="http://schemas.microsoft.com/office/drawing/2014/main" id="{38EF037C-DDB9-45BE-A539-BD22A9CDAF6A}"/>
+          <p:cNvPr id="7" name="TextBox 6">
+            <a:extLst>
+              <a:ext uri="{FF2B5EF4-FFF2-40B4-BE49-F238E27FC236}">
+                <a16:creationId xmlns:a16="http://schemas.microsoft.com/office/drawing/2014/main" id="{C79FDE9C-6A01-4D08-AB4E-D22D8859AC6C}"/>
               </a:ext>
             </a:extLst>
           </p:cNvPr>
@@ -15826,8 +16491,673 @@
         </p:nvSpPr>
         <p:spPr>
           <a:xfrm>
-            <a:off x="3487740" y="2424563"/>
-            <a:ext cx="7166536" cy="246221"/>
+            <a:off x="3068080" y="314519"/>
+            <a:ext cx="1113638" cy="461665"/>
+          </a:xfrm>
+          <a:prstGeom prst="rect">
+            <a:avLst/>
+          </a:prstGeom>
+          <a:noFill/>
+        </p:spPr>
+        <p:txBody>
+          <a:bodyPr wrap="none" rtlCol="0">
+            <a:spAutoFit/>
+          </a:bodyPr>
+          <a:lstStyle/>
+          <a:p>
+            <a:r>
+              <a:rPr lang="en-US" sz="1200" dirty="0"/>
+              <a:t>Broadcast data</a:t>
+            </a:r>
+          </a:p>
+          <a:p>
+            <a:r>
+              <a:rPr lang="en-US" sz="1200" dirty="0"/>
+              <a:t>To listeners</a:t>
+            </a:r>
+          </a:p>
+        </p:txBody>
+      </p:sp>
+      <p:cxnSp>
+        <p:nvCxnSpPr>
+          <p:cNvPr id="10" name="Straight Arrow Connector 9">
+            <a:extLst>
+              <a:ext uri="{FF2B5EF4-FFF2-40B4-BE49-F238E27FC236}">
+                <a16:creationId xmlns:a16="http://schemas.microsoft.com/office/drawing/2014/main" id="{69BCFEE6-FB20-45EF-A208-1A014C992117}"/>
+              </a:ext>
+            </a:extLst>
+          </p:cNvPr>
+          <p:cNvCxnSpPr>
+            <a:cxnSpLocks/>
+          </p:cNvCxnSpPr>
+          <p:nvPr/>
+        </p:nvCxnSpPr>
+        <p:spPr>
+          <a:xfrm>
+            <a:off x="3132524" y="777927"/>
+            <a:ext cx="991607" cy="0"/>
+          </a:xfrm>
+          <a:prstGeom prst="straightConnector1">
+            <a:avLst/>
+          </a:prstGeom>
+          <a:ln>
+            <a:tailEnd type="triangle"/>
+          </a:ln>
+        </p:spPr>
+        <p:style>
+          <a:lnRef idx="1">
+            <a:schemeClr val="accent1"/>
+          </a:lnRef>
+          <a:fillRef idx="0">
+            <a:schemeClr val="accent1"/>
+          </a:fillRef>
+          <a:effectRef idx="0">
+            <a:schemeClr val="accent1"/>
+          </a:effectRef>
+          <a:fontRef idx="minor">
+            <a:schemeClr val="tx1"/>
+          </a:fontRef>
+        </p:style>
+      </p:cxnSp>
+      <p:sp>
+        <p:nvSpPr>
+          <p:cNvPr id="11" name="TextBox 10">
+            <a:extLst>
+              <a:ext uri="{FF2B5EF4-FFF2-40B4-BE49-F238E27FC236}">
+                <a16:creationId xmlns:a16="http://schemas.microsoft.com/office/drawing/2014/main" id="{5827F937-3954-4CAE-80C2-9C6BA23BD4EE}"/>
+              </a:ext>
+            </a:extLst>
+          </p:cNvPr>
+          <p:cNvSpPr txBox="1"/>
+          <p:nvPr/>
+        </p:nvSpPr>
+        <p:spPr>
+          <a:xfrm>
+            <a:off x="5412751" y="406851"/>
+            <a:ext cx="3357329" cy="276999"/>
+          </a:xfrm>
+          <a:prstGeom prst="rect">
+            <a:avLst/>
+          </a:prstGeom>
+          <a:noFill/>
+        </p:spPr>
+        <p:txBody>
+          <a:bodyPr wrap="none" rtlCol="0">
+            <a:spAutoFit/>
+          </a:bodyPr>
+          <a:lstStyle/>
+          <a:p>
+            <a:r>
+              <a:rPr lang="en-US" sz="1200" dirty="0"/>
+              <a:t>Find the first device/data processor in the pipeline</a:t>
+            </a:r>
+          </a:p>
+        </p:txBody>
+      </p:sp>
+      <p:sp>
+        <p:nvSpPr>
+          <p:cNvPr id="12" name="TextBox 11">
+            <a:extLst>
+              <a:ext uri="{FF2B5EF4-FFF2-40B4-BE49-F238E27FC236}">
+                <a16:creationId xmlns:a16="http://schemas.microsoft.com/office/drawing/2014/main" id="{B4A5C36E-647A-402B-A2F7-9CD226DE0CB8}"/>
+              </a:ext>
+            </a:extLst>
+          </p:cNvPr>
+          <p:cNvSpPr txBox="1"/>
+          <p:nvPr/>
+        </p:nvSpPr>
+        <p:spPr>
+          <a:xfrm>
+            <a:off x="3068080" y="964346"/>
+            <a:ext cx="1047082" cy="246221"/>
+          </a:xfrm>
+          <a:prstGeom prst="rect">
+            <a:avLst/>
+          </a:prstGeom>
+          <a:noFill/>
+        </p:spPr>
+        <p:txBody>
+          <a:bodyPr wrap="none" rtlCol="0">
+            <a:spAutoFit/>
+          </a:bodyPr>
+          <a:lstStyle/>
+          <a:p>
+            <a:r>
+              <a:rPr lang="en-US" sz="1000" dirty="0" err="1"/>
+              <a:t>OnDataChange</a:t>
+            </a:r>
+            <a:r>
+              <a:rPr lang="en-US" sz="1000" dirty="0"/>
+              <a:t>()</a:t>
+            </a:r>
+          </a:p>
+        </p:txBody>
+      </p:sp>
+      <p:sp>
+        <p:nvSpPr>
+          <p:cNvPr id="14" name="TextBox 13">
+            <a:extLst>
+              <a:ext uri="{FF2B5EF4-FFF2-40B4-BE49-F238E27FC236}">
+                <a16:creationId xmlns:a16="http://schemas.microsoft.com/office/drawing/2014/main" id="{507BA719-4B41-48E7-9F03-A98590B97231}"/>
+              </a:ext>
+            </a:extLst>
+          </p:cNvPr>
+          <p:cNvSpPr txBox="1"/>
+          <p:nvPr/>
+        </p:nvSpPr>
+        <p:spPr>
+          <a:xfrm>
+            <a:off x="6641704" y="964346"/>
+            <a:ext cx="1047082" cy="246221"/>
+          </a:xfrm>
+          <a:prstGeom prst="rect">
+            <a:avLst/>
+          </a:prstGeom>
+          <a:noFill/>
+        </p:spPr>
+        <p:txBody>
+          <a:bodyPr wrap="none" rtlCol="0">
+            <a:spAutoFit/>
+          </a:bodyPr>
+          <a:lstStyle/>
+          <a:p>
+            <a:r>
+              <a:rPr lang="en-US" sz="1000" dirty="0" err="1"/>
+              <a:t>OnDataChange</a:t>
+            </a:r>
+            <a:r>
+              <a:rPr lang="en-US" sz="1000" dirty="0"/>
+              <a:t>()</a:t>
+            </a:r>
+          </a:p>
+        </p:txBody>
+      </p:sp>
+      <p:sp>
+        <p:nvSpPr>
+          <p:cNvPr id="13" name="Rectangle 12">
+            <a:extLst>
+              <a:ext uri="{FF2B5EF4-FFF2-40B4-BE49-F238E27FC236}">
+                <a16:creationId xmlns:a16="http://schemas.microsoft.com/office/drawing/2014/main" id="{05729A59-F1E8-4CEB-91B5-FBC151F7273B}"/>
+              </a:ext>
+            </a:extLst>
+          </p:cNvPr>
+          <p:cNvSpPr/>
+          <p:nvPr/>
+        </p:nvSpPr>
+        <p:spPr>
+          <a:xfrm>
+            <a:off x="9004044" y="406851"/>
+            <a:ext cx="1285932" cy="871436"/>
+          </a:xfrm>
+          <a:prstGeom prst="rect">
+            <a:avLst/>
+          </a:prstGeom>
+        </p:spPr>
+        <p:style>
+          <a:lnRef idx="2">
+            <a:schemeClr val="accent1">
+              <a:shade val="50000"/>
+            </a:schemeClr>
+          </a:lnRef>
+          <a:fillRef idx="1">
+            <a:schemeClr val="accent1"/>
+          </a:fillRef>
+          <a:effectRef idx="0">
+            <a:schemeClr val="accent1"/>
+          </a:effectRef>
+          <a:fontRef idx="minor">
+            <a:schemeClr val="lt1"/>
+          </a:fontRef>
+        </p:style>
+        <p:txBody>
+          <a:bodyPr rtlCol="0" anchor="ctr"/>
+          <a:lstStyle/>
+          <a:p>
+            <a:pPr algn="ctr"/>
+            <a:r>
+              <a:rPr lang="en-US" dirty="0"/>
+              <a:t>First Actor</a:t>
+            </a:r>
+          </a:p>
+        </p:txBody>
+      </p:sp>
+      <p:sp>
+        <p:nvSpPr>
+          <p:cNvPr id="16" name="TextBox 15">
+            <a:extLst>
+              <a:ext uri="{FF2B5EF4-FFF2-40B4-BE49-F238E27FC236}">
+                <a16:creationId xmlns:a16="http://schemas.microsoft.com/office/drawing/2014/main" id="{B361C3AF-D2F9-49A2-ABB1-136C8C1FDEAA}"/>
+              </a:ext>
+            </a:extLst>
+          </p:cNvPr>
+          <p:cNvSpPr txBox="1"/>
+          <p:nvPr/>
+        </p:nvSpPr>
+        <p:spPr>
+          <a:xfrm>
+            <a:off x="8590593" y="1479936"/>
+            <a:ext cx="1047082" cy="246221"/>
+          </a:xfrm>
+          <a:prstGeom prst="rect">
+            <a:avLst/>
+          </a:prstGeom>
+          <a:noFill/>
+        </p:spPr>
+        <p:txBody>
+          <a:bodyPr wrap="none" rtlCol="0">
+            <a:spAutoFit/>
+          </a:bodyPr>
+          <a:lstStyle/>
+          <a:p>
+            <a:r>
+              <a:rPr lang="en-US" sz="1000" dirty="0" err="1"/>
+              <a:t>OnDataChange</a:t>
+            </a:r>
+            <a:r>
+              <a:rPr lang="en-US" sz="1000" dirty="0"/>
+              <a:t>()</a:t>
+            </a:r>
+          </a:p>
+        </p:txBody>
+      </p:sp>
+      <p:cxnSp>
+        <p:nvCxnSpPr>
+          <p:cNvPr id="17" name="Straight Arrow Connector 16">
+            <a:extLst>
+              <a:ext uri="{FF2B5EF4-FFF2-40B4-BE49-F238E27FC236}">
+                <a16:creationId xmlns:a16="http://schemas.microsoft.com/office/drawing/2014/main" id="{D34498A2-6B54-4474-BED8-C8CDA7DE1ADF}"/>
+              </a:ext>
+            </a:extLst>
+          </p:cNvPr>
+          <p:cNvCxnSpPr>
+            <a:cxnSpLocks/>
+          </p:cNvCxnSpPr>
+          <p:nvPr/>
+        </p:nvCxnSpPr>
+        <p:spPr>
+          <a:xfrm>
+            <a:off x="9637675" y="1278287"/>
+            <a:ext cx="0" cy="474656"/>
+          </a:xfrm>
+          <a:prstGeom prst="straightConnector1">
+            <a:avLst/>
+          </a:prstGeom>
+          <a:ln>
+            <a:tailEnd type="triangle"/>
+          </a:ln>
+        </p:spPr>
+        <p:style>
+          <a:lnRef idx="1">
+            <a:schemeClr val="accent1"/>
+          </a:lnRef>
+          <a:fillRef idx="0">
+            <a:schemeClr val="accent1"/>
+          </a:fillRef>
+          <a:effectRef idx="0">
+            <a:schemeClr val="accent1"/>
+          </a:effectRef>
+          <a:fontRef idx="minor">
+            <a:schemeClr val="tx1"/>
+          </a:fontRef>
+        </p:style>
+      </p:cxnSp>
+      <p:sp>
+        <p:nvSpPr>
+          <p:cNvPr id="19" name="TextBox 18">
+            <a:extLst>
+              <a:ext uri="{FF2B5EF4-FFF2-40B4-BE49-F238E27FC236}">
+                <a16:creationId xmlns:a16="http://schemas.microsoft.com/office/drawing/2014/main" id="{5E74F31B-2847-42BE-A6D9-88428C948FC1}"/>
+              </a:ext>
+            </a:extLst>
+          </p:cNvPr>
+          <p:cNvSpPr txBox="1"/>
+          <p:nvPr/>
+        </p:nvSpPr>
+        <p:spPr>
+          <a:xfrm>
+            <a:off x="9637675" y="1479936"/>
+            <a:ext cx="1410964" cy="246221"/>
+          </a:xfrm>
+          <a:prstGeom prst="rect">
+            <a:avLst/>
+          </a:prstGeom>
+          <a:noFill/>
+        </p:spPr>
+        <p:txBody>
+          <a:bodyPr wrap="none" rtlCol="0">
+            <a:spAutoFit/>
+          </a:bodyPr>
+          <a:lstStyle/>
+          <a:p>
+            <a:r>
+              <a:rPr lang="en-US" sz="1000" dirty="0"/>
+              <a:t>Next Pipeline enqueuer</a:t>
+            </a:r>
+          </a:p>
+        </p:txBody>
+      </p:sp>
+      <p:sp>
+        <p:nvSpPr>
+          <p:cNvPr id="20" name="TextBox 19">
+            <a:extLst>
+              <a:ext uri="{FF2B5EF4-FFF2-40B4-BE49-F238E27FC236}">
+                <a16:creationId xmlns:a16="http://schemas.microsoft.com/office/drawing/2014/main" id="{B01DDA44-2F1C-4883-98CA-C1BA6B14F85A}"/>
+              </a:ext>
+            </a:extLst>
+          </p:cNvPr>
+          <p:cNvSpPr txBox="1"/>
+          <p:nvPr/>
+        </p:nvSpPr>
+        <p:spPr>
+          <a:xfrm>
+            <a:off x="10691733" y="1857989"/>
+            <a:ext cx="1414170" cy="1384995"/>
+          </a:xfrm>
+          <a:prstGeom prst="rect">
+            <a:avLst/>
+          </a:prstGeom>
+          <a:noFill/>
+        </p:spPr>
+        <p:txBody>
+          <a:bodyPr wrap="none" rtlCol="0">
+            <a:spAutoFit/>
+          </a:bodyPr>
+          <a:lstStyle/>
+          <a:p>
+            <a:r>
+              <a:rPr lang="en-US" dirty="0"/>
+              <a:t>Pipeline duty</a:t>
+            </a:r>
+          </a:p>
+          <a:p>
+            <a:endParaRPr lang="en-US" dirty="0"/>
+          </a:p>
+          <a:p>
+            <a:r>
+              <a:rPr lang="en-US" sz="1000" dirty="0"/>
+              <a:t>Tagging image</a:t>
+            </a:r>
+          </a:p>
+          <a:p>
+            <a:r>
+              <a:rPr lang="en-US" sz="1000" dirty="0"/>
+              <a:t>computing.</a:t>
+            </a:r>
+          </a:p>
+          <a:p>
+            <a:r>
+              <a:rPr lang="en-US" sz="1000" dirty="0" err="1"/>
+              <a:t>ect</a:t>
+            </a:r>
+            <a:r>
+              <a:rPr lang="en-US" sz="1000" dirty="0"/>
+              <a:t>..</a:t>
+            </a:r>
+          </a:p>
+          <a:p>
+            <a:endParaRPr lang="en-US" dirty="0"/>
+          </a:p>
+        </p:txBody>
+      </p:sp>
+      <p:sp>
+        <p:nvSpPr>
+          <p:cNvPr id="21" name="Oval 20">
+            <a:extLst>
+              <a:ext uri="{FF2B5EF4-FFF2-40B4-BE49-F238E27FC236}">
+                <a16:creationId xmlns:a16="http://schemas.microsoft.com/office/drawing/2014/main" id="{9F66B90B-8BF0-4754-9A31-7680CFEB7ABF}"/>
+              </a:ext>
+            </a:extLst>
+          </p:cNvPr>
+          <p:cNvSpPr/>
+          <p:nvPr/>
+        </p:nvSpPr>
+        <p:spPr>
+          <a:xfrm>
+            <a:off x="3125414" y="1742539"/>
+            <a:ext cx="1412840" cy="923730"/>
+          </a:xfrm>
+          <a:prstGeom prst="ellipse">
+            <a:avLst/>
+          </a:prstGeom>
+        </p:spPr>
+        <p:style>
+          <a:lnRef idx="2">
+            <a:schemeClr val="accent1">
+              <a:shade val="50000"/>
+            </a:schemeClr>
+          </a:lnRef>
+          <a:fillRef idx="1">
+            <a:schemeClr val="accent1"/>
+          </a:fillRef>
+          <a:effectRef idx="0">
+            <a:schemeClr val="accent1"/>
+          </a:effectRef>
+          <a:fontRef idx="minor">
+            <a:schemeClr val="lt1"/>
+          </a:fontRef>
+        </p:style>
+        <p:txBody>
+          <a:bodyPr rtlCol="0" anchor="ctr"/>
+          <a:lstStyle/>
+          <a:p>
+            <a:pPr algn="ctr"/>
+            <a:r>
+              <a:rPr lang="en-US" sz="1400" dirty="0"/>
+              <a:t>Device1</a:t>
+            </a:r>
+          </a:p>
+        </p:txBody>
+      </p:sp>
+      <p:sp>
+        <p:nvSpPr>
+          <p:cNvPr id="24" name="Oval 23">
+            <a:extLst>
+              <a:ext uri="{FF2B5EF4-FFF2-40B4-BE49-F238E27FC236}">
+                <a16:creationId xmlns:a16="http://schemas.microsoft.com/office/drawing/2014/main" id="{5C4CB9B4-51CC-4E59-8778-E015BF9C3FEB}"/>
+              </a:ext>
+            </a:extLst>
+          </p:cNvPr>
+          <p:cNvSpPr/>
+          <p:nvPr/>
+        </p:nvSpPr>
+        <p:spPr>
+          <a:xfrm>
+            <a:off x="3116083" y="2708448"/>
+            <a:ext cx="1412840" cy="923730"/>
+          </a:xfrm>
+          <a:prstGeom prst="ellipse">
+            <a:avLst/>
+          </a:prstGeom>
+        </p:spPr>
+        <p:style>
+          <a:lnRef idx="2">
+            <a:schemeClr val="accent1">
+              <a:shade val="50000"/>
+            </a:schemeClr>
+          </a:lnRef>
+          <a:fillRef idx="1">
+            <a:schemeClr val="accent1"/>
+          </a:fillRef>
+          <a:effectRef idx="0">
+            <a:schemeClr val="accent1"/>
+          </a:effectRef>
+          <a:fontRef idx="minor">
+            <a:schemeClr val="lt1"/>
+          </a:fontRef>
+        </p:style>
+        <p:txBody>
+          <a:bodyPr rtlCol="0" anchor="ctr"/>
+          <a:lstStyle/>
+          <a:p>
+            <a:pPr algn="ctr"/>
+            <a:r>
+              <a:rPr lang="en-US" sz="1400" dirty="0"/>
+              <a:t>Device2</a:t>
+            </a:r>
+          </a:p>
+        </p:txBody>
+      </p:sp>
+      <p:sp>
+        <p:nvSpPr>
+          <p:cNvPr id="25" name="Oval 24">
+            <a:extLst>
+              <a:ext uri="{FF2B5EF4-FFF2-40B4-BE49-F238E27FC236}">
+                <a16:creationId xmlns:a16="http://schemas.microsoft.com/office/drawing/2014/main" id="{66A97FBA-C266-4823-AB0C-27744E30A389}"/>
+              </a:ext>
+            </a:extLst>
+          </p:cNvPr>
+          <p:cNvSpPr/>
+          <p:nvPr/>
+        </p:nvSpPr>
+        <p:spPr>
+          <a:xfrm>
+            <a:off x="3125414" y="3651036"/>
+            <a:ext cx="1412840" cy="923730"/>
+          </a:xfrm>
+          <a:prstGeom prst="ellipse">
+            <a:avLst/>
+          </a:prstGeom>
+        </p:spPr>
+        <p:style>
+          <a:lnRef idx="2">
+            <a:schemeClr val="accent1">
+              <a:shade val="50000"/>
+            </a:schemeClr>
+          </a:lnRef>
+          <a:fillRef idx="1">
+            <a:schemeClr val="accent1"/>
+          </a:fillRef>
+          <a:effectRef idx="0">
+            <a:schemeClr val="accent1"/>
+          </a:effectRef>
+          <a:fontRef idx="minor">
+            <a:schemeClr val="lt1"/>
+          </a:fontRef>
+        </p:style>
+        <p:txBody>
+          <a:bodyPr rtlCol="0" anchor="ctr"/>
+          <a:lstStyle/>
+          <a:p>
+            <a:pPr algn="ctr"/>
+            <a:r>
+              <a:rPr lang="en-US" sz="1400" dirty="0"/>
+              <a:t>Processor1</a:t>
+            </a:r>
+          </a:p>
+        </p:txBody>
+      </p:sp>
+      <p:sp>
+        <p:nvSpPr>
+          <p:cNvPr id="26" name="Oval 25">
+            <a:extLst>
+              <a:ext uri="{FF2B5EF4-FFF2-40B4-BE49-F238E27FC236}">
+                <a16:creationId xmlns:a16="http://schemas.microsoft.com/office/drawing/2014/main" id="{D1868A75-B908-44CC-BA41-086046A844E6}"/>
+              </a:ext>
+            </a:extLst>
+          </p:cNvPr>
+          <p:cNvSpPr/>
+          <p:nvPr/>
+        </p:nvSpPr>
+        <p:spPr>
+          <a:xfrm>
+            <a:off x="3107156" y="4618292"/>
+            <a:ext cx="1412840" cy="923730"/>
+          </a:xfrm>
+          <a:prstGeom prst="ellipse">
+            <a:avLst/>
+          </a:prstGeom>
+        </p:spPr>
+        <p:style>
+          <a:lnRef idx="2">
+            <a:schemeClr val="accent1">
+              <a:shade val="50000"/>
+            </a:schemeClr>
+          </a:lnRef>
+          <a:fillRef idx="1">
+            <a:schemeClr val="accent1"/>
+          </a:fillRef>
+          <a:effectRef idx="0">
+            <a:schemeClr val="accent1"/>
+          </a:effectRef>
+          <a:fontRef idx="minor">
+            <a:schemeClr val="lt1"/>
+          </a:fontRef>
+        </p:style>
+        <p:txBody>
+          <a:bodyPr rtlCol="0" anchor="ctr"/>
+          <a:lstStyle/>
+          <a:p>
+            <a:pPr algn="ctr"/>
+            <a:r>
+              <a:rPr lang="en-US" sz="1400" dirty="0"/>
+              <a:t>Processor2</a:t>
+            </a:r>
+          </a:p>
+        </p:txBody>
+      </p:sp>
+      <p:sp>
+        <p:nvSpPr>
+          <p:cNvPr id="23" name="TextBox 22">
+            <a:extLst>
+              <a:ext uri="{FF2B5EF4-FFF2-40B4-BE49-F238E27FC236}">
+                <a16:creationId xmlns:a16="http://schemas.microsoft.com/office/drawing/2014/main" id="{39A59B55-6D1E-4FC5-BA5F-75803EBDA8B5}"/>
+              </a:ext>
+            </a:extLst>
+          </p:cNvPr>
+          <p:cNvSpPr txBox="1"/>
+          <p:nvPr/>
+        </p:nvSpPr>
+        <p:spPr>
+          <a:xfrm>
+            <a:off x="3673323" y="5478644"/>
+            <a:ext cx="242374" cy="923330"/>
+          </a:xfrm>
+          <a:prstGeom prst="rect">
+            <a:avLst/>
+          </a:prstGeom>
+          <a:noFill/>
+        </p:spPr>
+        <p:txBody>
+          <a:bodyPr wrap="none" rtlCol="0">
+            <a:spAutoFit/>
+          </a:bodyPr>
+          <a:lstStyle/>
+          <a:p>
+            <a:r>
+              <a:rPr lang="en-US" dirty="0"/>
+              <a:t>.</a:t>
+            </a:r>
+          </a:p>
+          <a:p>
+            <a:r>
+              <a:rPr lang="en-US" dirty="0"/>
+              <a:t>.</a:t>
+            </a:r>
+          </a:p>
+          <a:p>
+            <a:r>
+              <a:rPr lang="en-US" dirty="0"/>
+              <a:t>.</a:t>
+            </a:r>
+          </a:p>
+        </p:txBody>
+      </p:sp>
+      <p:sp>
+        <p:nvSpPr>
+          <p:cNvPr id="45" name="TextBox 44">
+            <a:extLst>
+              <a:ext uri="{FF2B5EF4-FFF2-40B4-BE49-F238E27FC236}">
+                <a16:creationId xmlns:a16="http://schemas.microsoft.com/office/drawing/2014/main" id="{F39850F1-BB2C-4DE1-8D16-B87E4EBD6155}"/>
+              </a:ext>
+            </a:extLst>
+          </p:cNvPr>
+          <p:cNvSpPr txBox="1"/>
+          <p:nvPr/>
+        </p:nvSpPr>
+        <p:spPr>
+          <a:xfrm flipH="1">
+            <a:off x="4622930" y="6029034"/>
+            <a:ext cx="1908219" cy="276999"/>
           </a:xfrm>
           <a:prstGeom prst="rect">
             <a:avLst/>
@@ -15841,44 +17171,18 @@
           <a:lstStyle/>
           <a:p>
             <a:r>
-              <a:rPr lang="en-US" sz="1000" dirty="0">
-                <a:solidFill>
-                  <a:schemeClr val="tx1">
-                    <a:lumMod val="50000"/>
-                    <a:lumOff val="50000"/>
-                  </a:schemeClr>
-                </a:solidFill>
-              </a:rPr>
-              <a:t>Insert Device controller to the sub panel by calling the InserPanelTOmainframe.vi in the microscope </a:t>
-            </a:r>
-            <a:r>
-              <a:rPr lang="en-US" sz="1000" dirty="0" err="1">
-                <a:solidFill>
-                  <a:schemeClr val="tx1">
-                    <a:lumMod val="50000"/>
-                    <a:lumOff val="50000"/>
-                  </a:schemeClr>
-                </a:solidFill>
-              </a:rPr>
-              <a:t>controller.lvclass</a:t>
-            </a:r>
-            <a:endParaRPr lang="en-US" sz="1000" dirty="0">
-              <a:solidFill>
-                <a:schemeClr val="tx1">
-                  <a:lumMod val="50000"/>
-                  <a:lumOff val="50000"/>
-                </a:schemeClr>
-              </a:solidFill>
-            </a:endParaRPr>
+              <a:rPr lang="en-US" sz="1200" dirty="0"/>
+              <a:t>Controller/User interface</a:t>
+            </a:r>
           </a:p>
         </p:txBody>
       </p:sp>
       <p:sp>
         <p:nvSpPr>
-          <p:cNvPr id="8" name="文本框 7">
-            <a:extLst>
-              <a:ext uri="{FF2B5EF4-FFF2-40B4-BE49-F238E27FC236}">
-                <a16:creationId xmlns:a16="http://schemas.microsoft.com/office/drawing/2014/main" id="{345AC5BD-A7CE-470D-8414-8594E32AF425}"/>
+          <p:cNvPr id="50" name="TextBox 49">
+            <a:extLst>
+              <a:ext uri="{FF2B5EF4-FFF2-40B4-BE49-F238E27FC236}">
+                <a16:creationId xmlns:a16="http://schemas.microsoft.com/office/drawing/2014/main" id="{670117CC-9DD7-449A-AE3C-8AF58E9562F3}"/>
               </a:ext>
             </a:extLst>
           </p:cNvPr>
@@ -15886,9 +17190,9 @@
           <p:nvPr/>
         </p:nvSpPr>
         <p:spPr>
-          <a:xfrm>
-            <a:off x="3487740" y="3942970"/>
-            <a:ext cx="7166536" cy="400110"/>
+          <a:xfrm flipH="1">
+            <a:off x="6685382" y="6017959"/>
+            <a:ext cx="807769" cy="276999"/>
           </a:xfrm>
           <a:prstGeom prst="rect">
             <a:avLst/>
@@ -15902,88 +17206,18 @@
           <a:lstStyle/>
           <a:p>
             <a:r>
-              <a:rPr lang="en-US" sz="1000" dirty="0">
-                <a:solidFill>
-                  <a:schemeClr val="tx1">
-                    <a:lumMod val="50000"/>
-                    <a:lumOff val="50000"/>
-                  </a:schemeClr>
-                </a:solidFill>
-              </a:rPr>
-              <a:t>Is slightly different from the other </a:t>
-            </a:r>
-            <a:r>
-              <a:rPr lang="en-US" sz="1000" dirty="0" err="1">
-                <a:solidFill>
-                  <a:schemeClr val="tx1">
-                    <a:lumMod val="50000"/>
-                    <a:lumOff val="50000"/>
-                  </a:schemeClr>
-                </a:solidFill>
-              </a:rPr>
-              <a:t>LoadController</a:t>
-            </a:r>
-            <a:r>
-              <a:rPr lang="en-US" sz="1000" dirty="0">
-                <a:solidFill>
-                  <a:schemeClr val="tx1">
-                    <a:lumMod val="50000"/>
-                    <a:lumOff val="50000"/>
-                  </a:schemeClr>
-                </a:solidFill>
-              </a:rPr>
-              <a:t> in the normal Devices, it override the </a:t>
-            </a:r>
-            <a:r>
-              <a:rPr lang="en-US" sz="1000" dirty="0" err="1">
-                <a:solidFill>
-                  <a:schemeClr val="tx1">
-                    <a:lumMod val="50000"/>
-                    <a:lumOff val="50000"/>
-                  </a:schemeClr>
-                </a:solidFill>
-              </a:rPr>
-              <a:t>LoadController</a:t>
-            </a:r>
-            <a:r>
-              <a:rPr lang="en-US" sz="1000" dirty="0">
-                <a:solidFill>
-                  <a:schemeClr val="tx1">
-                    <a:lumMod val="50000"/>
-                    <a:lumOff val="50000"/>
-                  </a:schemeClr>
-                </a:solidFill>
-              </a:rPr>
-              <a:t> by adding the call to Detect</a:t>
-            </a:r>
-            <a:r>
-              <a:rPr lang="en-US" altLang="zh-CN" sz="1000" dirty="0">
-                <a:solidFill>
-                  <a:schemeClr val="tx1">
-                    <a:lumMod val="50000"/>
-                    <a:lumOff val="50000"/>
-                  </a:schemeClr>
-                </a:solidFill>
-              </a:rPr>
-              <a:t>hardware.vi and LoadAllHardware.vi</a:t>
-            </a:r>
-            <a:endParaRPr lang="en-US" sz="1000" dirty="0">
-              <a:solidFill>
-                <a:schemeClr val="tx1">
-                  <a:lumMod val="50000"/>
-                  <a:lumOff val="50000"/>
-                </a:schemeClr>
-              </a:solidFill>
-            </a:endParaRPr>
+              <a:rPr lang="en-US" sz="1200" dirty="0"/>
+              <a:t>Model</a:t>
+            </a:r>
           </a:p>
         </p:txBody>
       </p:sp>
       <p:sp>
         <p:nvSpPr>
-          <p:cNvPr id="9" name="文本框 8">
-            <a:extLst>
-              <a:ext uri="{FF2B5EF4-FFF2-40B4-BE49-F238E27FC236}">
-                <a16:creationId xmlns:a16="http://schemas.microsoft.com/office/drawing/2014/main" id="{5DE5CDE3-9E08-4E65-B4F0-25C9B3C72829}"/>
+          <p:cNvPr id="51" name="TextBox 50">
+            <a:extLst>
+              <a:ext uri="{FF2B5EF4-FFF2-40B4-BE49-F238E27FC236}">
+                <a16:creationId xmlns:a16="http://schemas.microsoft.com/office/drawing/2014/main" id="{1513AFA6-E02C-4F74-8BFC-617240F83E47}"/>
               </a:ext>
             </a:extLst>
           </p:cNvPr>
@@ -15991,9 +17225,9 @@
           <p:nvPr/>
         </p:nvSpPr>
         <p:spPr>
-          <a:xfrm>
-            <a:off x="3487740" y="4538589"/>
-            <a:ext cx="7166536" cy="246221"/>
+          <a:xfrm flipH="1">
+            <a:off x="9373750" y="6029033"/>
+            <a:ext cx="807769" cy="276999"/>
           </a:xfrm>
           <a:prstGeom prst="rect">
             <a:avLst/>
@@ -16007,25 +17241,57 @@
           <a:lstStyle/>
           <a:p>
             <a:r>
-              <a:rPr lang="en-US" sz="1000" dirty="0">
-                <a:solidFill>
-                  <a:schemeClr val="tx1">
-                    <a:lumMod val="50000"/>
-                    <a:lumOff val="50000"/>
-                  </a:schemeClr>
-                </a:solidFill>
-              </a:rPr>
-              <a:t>Add device to the Device list,</a:t>
+              <a:rPr lang="en-US" sz="1200" dirty="0"/>
+              <a:t>Pipeline</a:t>
             </a:r>
           </a:p>
         </p:txBody>
       </p:sp>
+      <p:cxnSp>
+        <p:nvCxnSpPr>
+          <p:cNvPr id="52" name="Straight Arrow Connector 51">
+            <a:extLst>
+              <a:ext uri="{FF2B5EF4-FFF2-40B4-BE49-F238E27FC236}">
+                <a16:creationId xmlns:a16="http://schemas.microsoft.com/office/drawing/2014/main" id="{E7A58823-52E5-4994-A42C-E3A527F52FA5}"/>
+              </a:ext>
+            </a:extLst>
+          </p:cNvPr>
+          <p:cNvCxnSpPr/>
+          <p:nvPr/>
+        </p:nvCxnSpPr>
+        <p:spPr>
+          <a:xfrm flipH="1">
+            <a:off x="4078784" y="1021168"/>
+            <a:ext cx="441212" cy="638701"/>
+          </a:xfrm>
+          <a:prstGeom prst="straightConnector1">
+            <a:avLst/>
+          </a:prstGeom>
+          <a:ln>
+            <a:tailEnd type="triangle"/>
+          </a:ln>
+        </p:spPr>
+        <p:style>
+          <a:lnRef idx="1">
+            <a:schemeClr val="accent1"/>
+          </a:lnRef>
+          <a:fillRef idx="0">
+            <a:schemeClr val="accent1"/>
+          </a:fillRef>
+          <a:effectRef idx="0">
+            <a:schemeClr val="accent1"/>
+          </a:effectRef>
+          <a:fontRef idx="minor">
+            <a:schemeClr val="tx1"/>
+          </a:fontRef>
+        </p:style>
+      </p:cxnSp>
       <p:sp>
         <p:nvSpPr>
-          <p:cNvPr id="10" name="文本框 9">
-            <a:extLst>
-              <a:ext uri="{FF2B5EF4-FFF2-40B4-BE49-F238E27FC236}">
-                <a16:creationId xmlns:a16="http://schemas.microsoft.com/office/drawing/2014/main" id="{F73449F4-C68C-4578-9878-623A8C4E4FF0}"/>
+          <p:cNvPr id="54" name="TextBox 53">
+            <a:extLst>
+              <a:ext uri="{FF2B5EF4-FFF2-40B4-BE49-F238E27FC236}">
+                <a16:creationId xmlns:a16="http://schemas.microsoft.com/office/drawing/2014/main" id="{FB2EC3EC-7889-4404-A27B-0101CB1271DB}"/>
               </a:ext>
             </a:extLst>
           </p:cNvPr>
@@ -16034,8 +17300,8 @@
         </p:nvSpPr>
         <p:spPr>
           <a:xfrm>
-            <a:off x="3487740" y="5218097"/>
-            <a:ext cx="7166536" cy="246221"/>
+            <a:off x="4287303" y="1190612"/>
+            <a:ext cx="1747594" cy="553998"/>
           </a:xfrm>
           <a:prstGeom prst="rect">
             <a:avLst/>
@@ -16043,31 +17309,1372 @@
           <a:noFill/>
         </p:spPr>
         <p:txBody>
-          <a:bodyPr wrap="square" rtlCol="0">
+          <a:bodyPr wrap="none" rtlCol="0">
             <a:spAutoFit/>
           </a:bodyPr>
           <a:lstStyle/>
           <a:p>
             <a:r>
-              <a:rPr lang="en-US" sz="1000" dirty="0">
-                <a:solidFill>
-                  <a:schemeClr val="tx1">
-                    <a:lumMod val="50000"/>
-                    <a:lumOff val="50000"/>
-                  </a:schemeClr>
-                </a:solidFill>
-              </a:rPr>
-              <a:t>Load device and save the enqueuer to the Device enqueuer list</a:t>
-            </a:r>
+              <a:rPr lang="en-US" sz="1000" dirty="0"/>
+              <a:t>1,Add devices and processors </a:t>
+            </a:r>
+          </a:p>
+          <a:p>
+            <a:r>
+              <a:rPr lang="en-US" sz="1000" dirty="0"/>
+              <a:t>in the configuration</a:t>
+            </a:r>
+          </a:p>
+          <a:p>
+            <a:r>
+              <a:rPr lang="en-US" sz="1000" dirty="0"/>
+              <a:t>2,Create the pipeline chain</a:t>
+            </a:r>
+          </a:p>
+        </p:txBody>
+      </p:sp>
+      <p:grpSp>
+        <p:nvGrpSpPr>
+          <p:cNvPr id="60" name="Group 59">
+            <a:extLst>
+              <a:ext uri="{FF2B5EF4-FFF2-40B4-BE49-F238E27FC236}">
+                <a16:creationId xmlns:a16="http://schemas.microsoft.com/office/drawing/2014/main" id="{467A53FF-5396-46F5-B4FC-FD7E158E8D9D}"/>
+              </a:ext>
+            </a:extLst>
+          </p:cNvPr>
+          <p:cNvGrpSpPr/>
+          <p:nvPr/>
+        </p:nvGrpSpPr>
+        <p:grpSpPr>
+          <a:xfrm>
+            <a:off x="4883099" y="1708447"/>
+            <a:ext cx="3016085" cy="3879521"/>
+            <a:chOff x="4901761" y="1708447"/>
+            <a:chExt cx="3016085" cy="3879521"/>
+          </a:xfrm>
+        </p:grpSpPr>
+        <p:grpSp>
+          <p:nvGrpSpPr>
+            <p:cNvPr id="29" name="Group 28">
+              <a:extLst>
+                <a:ext uri="{FF2B5EF4-FFF2-40B4-BE49-F238E27FC236}">
+                  <a16:creationId xmlns:a16="http://schemas.microsoft.com/office/drawing/2014/main" id="{F7C1D19F-255A-4A38-892D-10143864B018}"/>
+                </a:ext>
+              </a:extLst>
+            </p:cNvPr>
+            <p:cNvGrpSpPr/>
+            <p:nvPr/>
+          </p:nvGrpSpPr>
+          <p:grpSpPr>
+            <a:xfrm>
+              <a:off x="6462298" y="1708447"/>
+              <a:ext cx="1027845" cy="866201"/>
+              <a:chOff x="4706250" y="1745771"/>
+              <a:chExt cx="1027845" cy="866201"/>
+            </a:xfrm>
+          </p:grpSpPr>
+          <p:sp>
+            <p:nvSpPr>
+              <p:cNvPr id="27" name="Arrow: Curved Right 26">
+                <a:extLst>
+                  <a:ext uri="{FF2B5EF4-FFF2-40B4-BE49-F238E27FC236}">
+                    <a16:creationId xmlns:a16="http://schemas.microsoft.com/office/drawing/2014/main" id="{EA5B8E06-7D9C-49B5-A13D-E79CE5107E6B}"/>
+                  </a:ext>
+                </a:extLst>
+              </p:cNvPr>
+              <p:cNvSpPr/>
+              <p:nvPr/>
+            </p:nvSpPr>
+            <p:spPr>
+              <a:xfrm>
+                <a:off x="4742894" y="1789666"/>
+                <a:ext cx="447529" cy="822306"/>
+              </a:xfrm>
+              <a:prstGeom prst="curvedRightArrow">
+                <a:avLst/>
+              </a:prstGeom>
+            </p:spPr>
+            <p:style>
+              <a:lnRef idx="2">
+                <a:schemeClr val="accent1">
+                  <a:shade val="50000"/>
+                </a:schemeClr>
+              </a:lnRef>
+              <a:fillRef idx="1">
+                <a:schemeClr val="accent1"/>
+              </a:fillRef>
+              <a:effectRef idx="0">
+                <a:schemeClr val="accent1"/>
+              </a:effectRef>
+              <a:fontRef idx="minor">
+                <a:schemeClr val="lt1"/>
+              </a:fontRef>
+            </p:style>
+            <p:txBody>
+              <a:bodyPr rtlCol="0" anchor="ctr"/>
+              <a:lstStyle/>
+              <a:p>
+                <a:pPr algn="ctr"/>
+                <a:endParaRPr lang="en-US">
+                  <a:solidFill>
+                    <a:schemeClr val="tx1"/>
+                  </a:solidFill>
+                </a:endParaRPr>
+              </a:p>
+            </p:txBody>
+          </p:sp>
+          <p:sp>
+            <p:nvSpPr>
+              <p:cNvPr id="30" name="Arrow: Curved Right 29">
+                <a:extLst>
+                  <a:ext uri="{FF2B5EF4-FFF2-40B4-BE49-F238E27FC236}">
+                    <a16:creationId xmlns:a16="http://schemas.microsoft.com/office/drawing/2014/main" id="{D9BA87F7-1AB0-4453-AD90-87EE9E7B5CB8}"/>
+                  </a:ext>
+                </a:extLst>
+              </p:cNvPr>
+              <p:cNvSpPr/>
+              <p:nvPr/>
+            </p:nvSpPr>
+            <p:spPr>
+              <a:xfrm rot="10457688">
+                <a:off x="5259938" y="1745771"/>
+                <a:ext cx="447529" cy="822306"/>
+              </a:xfrm>
+              <a:prstGeom prst="curvedRightArrow">
+                <a:avLst/>
+              </a:prstGeom>
+            </p:spPr>
+            <p:style>
+              <a:lnRef idx="2">
+                <a:schemeClr val="accent1">
+                  <a:shade val="50000"/>
+                </a:schemeClr>
+              </a:lnRef>
+              <a:fillRef idx="1">
+                <a:schemeClr val="accent1"/>
+              </a:fillRef>
+              <a:effectRef idx="0">
+                <a:schemeClr val="accent1"/>
+              </a:effectRef>
+              <a:fontRef idx="minor">
+                <a:schemeClr val="lt1"/>
+              </a:fontRef>
+            </p:style>
+            <p:txBody>
+              <a:bodyPr rtlCol="0" anchor="ctr"/>
+              <a:lstStyle/>
+              <a:p>
+                <a:pPr algn="ctr"/>
+                <a:endParaRPr lang="en-US">
+                  <a:solidFill>
+                    <a:schemeClr val="tx1"/>
+                  </a:solidFill>
+                </a:endParaRPr>
+              </a:p>
+            </p:txBody>
+          </p:sp>
+          <p:sp>
+            <p:nvSpPr>
+              <p:cNvPr id="31" name="TextBox 30">
+                <a:extLst>
+                  <a:ext uri="{FF2B5EF4-FFF2-40B4-BE49-F238E27FC236}">
+                    <a16:creationId xmlns:a16="http://schemas.microsoft.com/office/drawing/2014/main" id="{0DEB4710-FBA7-4376-A60E-2C500C125181}"/>
+                  </a:ext>
+                </a:extLst>
+              </p:cNvPr>
+              <p:cNvSpPr txBox="1"/>
+              <p:nvPr/>
+            </p:nvSpPr>
+            <p:spPr>
+              <a:xfrm>
+                <a:off x="4706250" y="2033813"/>
+                <a:ext cx="1027845" cy="553998"/>
+              </a:xfrm>
+              <a:prstGeom prst="rect">
+                <a:avLst/>
+              </a:prstGeom>
+              <a:noFill/>
+            </p:spPr>
+            <p:txBody>
+              <a:bodyPr wrap="none" rtlCol="0">
+                <a:spAutoFit/>
+              </a:bodyPr>
+              <a:lstStyle/>
+              <a:p>
+                <a:r>
+                  <a:rPr lang="en-US" sz="1000" dirty="0"/>
+                  <a:t>Generating data</a:t>
+                </a:r>
+              </a:p>
+              <a:p>
+                <a:r>
+                  <a:rPr lang="en-US" sz="1000" dirty="0"/>
+                  <a:t>Do Pipeline task</a:t>
+                </a:r>
+              </a:p>
+              <a:p>
+                <a:endParaRPr lang="en-US" sz="1000" dirty="0"/>
+              </a:p>
+            </p:txBody>
+          </p:sp>
+        </p:grpSp>
+        <p:grpSp>
+          <p:nvGrpSpPr>
+            <p:cNvPr id="33" name="Group 32">
+              <a:extLst>
+                <a:ext uri="{FF2B5EF4-FFF2-40B4-BE49-F238E27FC236}">
+                  <a16:creationId xmlns:a16="http://schemas.microsoft.com/office/drawing/2014/main" id="{7C784D7F-F6E7-4FD0-9DE6-1DAF652443EB}"/>
+                </a:ext>
+              </a:extLst>
+            </p:cNvPr>
+            <p:cNvGrpSpPr/>
+            <p:nvPr/>
+          </p:nvGrpSpPr>
+          <p:grpSpPr>
+            <a:xfrm>
+              <a:off x="6462298" y="2665420"/>
+              <a:ext cx="1027845" cy="866201"/>
+              <a:chOff x="4706250" y="1745771"/>
+              <a:chExt cx="1027845" cy="866201"/>
+            </a:xfrm>
+          </p:grpSpPr>
+          <p:sp>
+            <p:nvSpPr>
+              <p:cNvPr id="34" name="Arrow: Curved Right 33">
+                <a:extLst>
+                  <a:ext uri="{FF2B5EF4-FFF2-40B4-BE49-F238E27FC236}">
+                    <a16:creationId xmlns:a16="http://schemas.microsoft.com/office/drawing/2014/main" id="{0AF37813-F02C-4962-94AF-6FE4E3EA0878}"/>
+                  </a:ext>
+                </a:extLst>
+              </p:cNvPr>
+              <p:cNvSpPr/>
+              <p:nvPr/>
+            </p:nvSpPr>
+            <p:spPr>
+              <a:xfrm>
+                <a:off x="4742894" y="1789666"/>
+                <a:ext cx="447529" cy="822306"/>
+              </a:xfrm>
+              <a:prstGeom prst="curvedRightArrow">
+                <a:avLst/>
+              </a:prstGeom>
+            </p:spPr>
+            <p:style>
+              <a:lnRef idx="2">
+                <a:schemeClr val="accent1">
+                  <a:shade val="50000"/>
+                </a:schemeClr>
+              </a:lnRef>
+              <a:fillRef idx="1">
+                <a:schemeClr val="accent1"/>
+              </a:fillRef>
+              <a:effectRef idx="0">
+                <a:schemeClr val="accent1"/>
+              </a:effectRef>
+              <a:fontRef idx="minor">
+                <a:schemeClr val="lt1"/>
+              </a:fontRef>
+            </p:style>
+            <p:txBody>
+              <a:bodyPr rtlCol="0" anchor="ctr"/>
+              <a:lstStyle/>
+              <a:p>
+                <a:pPr algn="ctr"/>
+                <a:endParaRPr lang="en-US">
+                  <a:solidFill>
+                    <a:schemeClr val="tx1"/>
+                  </a:solidFill>
+                </a:endParaRPr>
+              </a:p>
+            </p:txBody>
+          </p:sp>
+          <p:sp>
+            <p:nvSpPr>
+              <p:cNvPr id="35" name="Arrow: Curved Right 34">
+                <a:extLst>
+                  <a:ext uri="{FF2B5EF4-FFF2-40B4-BE49-F238E27FC236}">
+                    <a16:creationId xmlns:a16="http://schemas.microsoft.com/office/drawing/2014/main" id="{ECF14B1D-3C96-4A5D-A238-DD086C9F7A85}"/>
+                  </a:ext>
+                </a:extLst>
+              </p:cNvPr>
+              <p:cNvSpPr/>
+              <p:nvPr/>
+            </p:nvSpPr>
+            <p:spPr>
+              <a:xfrm rot="10457688">
+                <a:off x="5259938" y="1745771"/>
+                <a:ext cx="447529" cy="822306"/>
+              </a:xfrm>
+              <a:prstGeom prst="curvedRightArrow">
+                <a:avLst/>
+              </a:prstGeom>
+            </p:spPr>
+            <p:style>
+              <a:lnRef idx="2">
+                <a:schemeClr val="accent1">
+                  <a:shade val="50000"/>
+                </a:schemeClr>
+              </a:lnRef>
+              <a:fillRef idx="1">
+                <a:schemeClr val="accent1"/>
+              </a:fillRef>
+              <a:effectRef idx="0">
+                <a:schemeClr val="accent1"/>
+              </a:effectRef>
+              <a:fontRef idx="minor">
+                <a:schemeClr val="lt1"/>
+              </a:fontRef>
+            </p:style>
+            <p:txBody>
+              <a:bodyPr rtlCol="0" anchor="ctr"/>
+              <a:lstStyle/>
+              <a:p>
+                <a:pPr algn="ctr"/>
+                <a:endParaRPr lang="en-US">
+                  <a:solidFill>
+                    <a:schemeClr val="tx1"/>
+                  </a:solidFill>
+                </a:endParaRPr>
+              </a:p>
+            </p:txBody>
+          </p:sp>
+          <p:sp>
+            <p:nvSpPr>
+              <p:cNvPr id="36" name="TextBox 35">
+                <a:extLst>
+                  <a:ext uri="{FF2B5EF4-FFF2-40B4-BE49-F238E27FC236}">
+                    <a16:creationId xmlns:a16="http://schemas.microsoft.com/office/drawing/2014/main" id="{CEFD0789-EEF5-48F7-90B7-4E7012AF88D7}"/>
+                  </a:ext>
+                </a:extLst>
+              </p:cNvPr>
+              <p:cNvSpPr txBox="1"/>
+              <p:nvPr/>
+            </p:nvSpPr>
+            <p:spPr>
+              <a:xfrm>
+                <a:off x="4706250" y="2033813"/>
+                <a:ext cx="1027845" cy="553998"/>
+              </a:xfrm>
+              <a:prstGeom prst="rect">
+                <a:avLst/>
+              </a:prstGeom>
+              <a:noFill/>
+            </p:spPr>
+            <p:txBody>
+              <a:bodyPr wrap="none" rtlCol="0">
+                <a:spAutoFit/>
+              </a:bodyPr>
+              <a:lstStyle/>
+              <a:p>
+                <a:r>
+                  <a:rPr lang="en-US" sz="1000" dirty="0"/>
+                  <a:t>Generating data</a:t>
+                </a:r>
+              </a:p>
+              <a:p>
+                <a:r>
+                  <a:rPr lang="en-US" sz="1000" dirty="0"/>
+                  <a:t>Do Pipeline task</a:t>
+                </a:r>
+              </a:p>
+              <a:p>
+                <a:endParaRPr lang="en-US" sz="1000" dirty="0"/>
+              </a:p>
+            </p:txBody>
+          </p:sp>
+        </p:grpSp>
+        <p:grpSp>
+          <p:nvGrpSpPr>
+            <p:cNvPr id="37" name="Group 36">
+              <a:extLst>
+                <a:ext uri="{FF2B5EF4-FFF2-40B4-BE49-F238E27FC236}">
+                  <a16:creationId xmlns:a16="http://schemas.microsoft.com/office/drawing/2014/main" id="{22221265-C9FE-4CF2-AF3B-BD0874F037F7}"/>
+                </a:ext>
+              </a:extLst>
+            </p:cNvPr>
+            <p:cNvGrpSpPr/>
+            <p:nvPr/>
+          </p:nvGrpSpPr>
+          <p:grpSpPr>
+            <a:xfrm>
+              <a:off x="6462298" y="3618905"/>
+              <a:ext cx="1027845" cy="866201"/>
+              <a:chOff x="4706250" y="1745771"/>
+              <a:chExt cx="1027845" cy="866201"/>
+            </a:xfrm>
+          </p:grpSpPr>
+          <p:sp>
+            <p:nvSpPr>
+              <p:cNvPr id="38" name="Arrow: Curved Right 37">
+                <a:extLst>
+                  <a:ext uri="{FF2B5EF4-FFF2-40B4-BE49-F238E27FC236}">
+                    <a16:creationId xmlns:a16="http://schemas.microsoft.com/office/drawing/2014/main" id="{10EF37F0-0471-4D95-8F7E-71D18717E83F}"/>
+                  </a:ext>
+                </a:extLst>
+              </p:cNvPr>
+              <p:cNvSpPr/>
+              <p:nvPr/>
+            </p:nvSpPr>
+            <p:spPr>
+              <a:xfrm>
+                <a:off x="4742894" y="1789666"/>
+                <a:ext cx="447529" cy="822306"/>
+              </a:xfrm>
+              <a:prstGeom prst="curvedRightArrow">
+                <a:avLst/>
+              </a:prstGeom>
+            </p:spPr>
+            <p:style>
+              <a:lnRef idx="2">
+                <a:schemeClr val="accent1">
+                  <a:shade val="50000"/>
+                </a:schemeClr>
+              </a:lnRef>
+              <a:fillRef idx="1">
+                <a:schemeClr val="accent1"/>
+              </a:fillRef>
+              <a:effectRef idx="0">
+                <a:schemeClr val="accent1"/>
+              </a:effectRef>
+              <a:fontRef idx="minor">
+                <a:schemeClr val="lt1"/>
+              </a:fontRef>
+            </p:style>
+            <p:txBody>
+              <a:bodyPr rtlCol="0" anchor="ctr"/>
+              <a:lstStyle/>
+              <a:p>
+                <a:pPr algn="ctr"/>
+                <a:endParaRPr lang="en-US">
+                  <a:solidFill>
+                    <a:schemeClr val="tx1"/>
+                  </a:solidFill>
+                </a:endParaRPr>
+              </a:p>
+            </p:txBody>
+          </p:sp>
+          <p:sp>
+            <p:nvSpPr>
+              <p:cNvPr id="39" name="Arrow: Curved Right 38">
+                <a:extLst>
+                  <a:ext uri="{FF2B5EF4-FFF2-40B4-BE49-F238E27FC236}">
+                    <a16:creationId xmlns:a16="http://schemas.microsoft.com/office/drawing/2014/main" id="{899E5045-FA94-4D4A-A55D-B5E6088B04D2}"/>
+                  </a:ext>
+                </a:extLst>
+              </p:cNvPr>
+              <p:cNvSpPr/>
+              <p:nvPr/>
+            </p:nvSpPr>
+            <p:spPr>
+              <a:xfrm rot="10457688">
+                <a:off x="5259938" y="1745771"/>
+                <a:ext cx="447529" cy="822306"/>
+              </a:xfrm>
+              <a:prstGeom prst="curvedRightArrow">
+                <a:avLst/>
+              </a:prstGeom>
+            </p:spPr>
+            <p:style>
+              <a:lnRef idx="2">
+                <a:schemeClr val="accent1">
+                  <a:shade val="50000"/>
+                </a:schemeClr>
+              </a:lnRef>
+              <a:fillRef idx="1">
+                <a:schemeClr val="accent1"/>
+              </a:fillRef>
+              <a:effectRef idx="0">
+                <a:schemeClr val="accent1"/>
+              </a:effectRef>
+              <a:fontRef idx="minor">
+                <a:schemeClr val="lt1"/>
+              </a:fontRef>
+            </p:style>
+            <p:txBody>
+              <a:bodyPr rtlCol="0" anchor="ctr"/>
+              <a:lstStyle/>
+              <a:p>
+                <a:pPr algn="ctr"/>
+                <a:endParaRPr lang="en-US">
+                  <a:solidFill>
+                    <a:schemeClr val="tx1"/>
+                  </a:solidFill>
+                </a:endParaRPr>
+              </a:p>
+            </p:txBody>
+          </p:sp>
+          <p:sp>
+            <p:nvSpPr>
+              <p:cNvPr id="40" name="TextBox 39">
+                <a:extLst>
+                  <a:ext uri="{FF2B5EF4-FFF2-40B4-BE49-F238E27FC236}">
+                    <a16:creationId xmlns:a16="http://schemas.microsoft.com/office/drawing/2014/main" id="{1ED68794-2095-48D1-AF06-3FFD5684D92F}"/>
+                  </a:ext>
+                </a:extLst>
+              </p:cNvPr>
+              <p:cNvSpPr txBox="1"/>
+              <p:nvPr/>
+            </p:nvSpPr>
+            <p:spPr>
+              <a:xfrm>
+                <a:off x="4706250" y="2033813"/>
+                <a:ext cx="1027845" cy="553998"/>
+              </a:xfrm>
+              <a:prstGeom prst="rect">
+                <a:avLst/>
+              </a:prstGeom>
+              <a:noFill/>
+            </p:spPr>
+            <p:txBody>
+              <a:bodyPr wrap="none" rtlCol="0">
+                <a:spAutoFit/>
+              </a:bodyPr>
+              <a:lstStyle/>
+              <a:p>
+                <a:r>
+                  <a:rPr lang="en-US" sz="1000" dirty="0"/>
+                  <a:t>Generating data</a:t>
+                </a:r>
+              </a:p>
+              <a:p>
+                <a:r>
+                  <a:rPr lang="en-US" sz="1000" dirty="0"/>
+                  <a:t>Do Pipeline task</a:t>
+                </a:r>
+              </a:p>
+              <a:p>
+                <a:endParaRPr lang="en-US" sz="1000" dirty="0"/>
+              </a:p>
+            </p:txBody>
+          </p:sp>
+        </p:grpSp>
+        <p:grpSp>
+          <p:nvGrpSpPr>
+            <p:cNvPr id="41" name="Group 40">
+              <a:extLst>
+                <a:ext uri="{FF2B5EF4-FFF2-40B4-BE49-F238E27FC236}">
+                  <a16:creationId xmlns:a16="http://schemas.microsoft.com/office/drawing/2014/main" id="{85FFC714-1F13-4E98-9329-A8FFD3C4BC83}"/>
+                </a:ext>
+              </a:extLst>
+            </p:cNvPr>
+            <p:cNvGrpSpPr/>
+            <p:nvPr/>
+          </p:nvGrpSpPr>
+          <p:grpSpPr>
+            <a:xfrm>
+              <a:off x="6462298" y="4721767"/>
+              <a:ext cx="1027845" cy="866201"/>
+              <a:chOff x="4706250" y="1745771"/>
+              <a:chExt cx="1027845" cy="866201"/>
+            </a:xfrm>
+          </p:grpSpPr>
+          <p:sp>
+            <p:nvSpPr>
+              <p:cNvPr id="42" name="Arrow: Curved Right 41">
+                <a:extLst>
+                  <a:ext uri="{FF2B5EF4-FFF2-40B4-BE49-F238E27FC236}">
+                    <a16:creationId xmlns:a16="http://schemas.microsoft.com/office/drawing/2014/main" id="{1A2F4DED-3856-48CF-AD54-06373DD54AE8}"/>
+                  </a:ext>
+                </a:extLst>
+              </p:cNvPr>
+              <p:cNvSpPr/>
+              <p:nvPr/>
+            </p:nvSpPr>
+            <p:spPr>
+              <a:xfrm>
+                <a:off x="4742894" y="1789666"/>
+                <a:ext cx="447529" cy="822306"/>
+              </a:xfrm>
+              <a:prstGeom prst="curvedRightArrow">
+                <a:avLst/>
+              </a:prstGeom>
+            </p:spPr>
+            <p:style>
+              <a:lnRef idx="2">
+                <a:schemeClr val="accent1">
+                  <a:shade val="50000"/>
+                </a:schemeClr>
+              </a:lnRef>
+              <a:fillRef idx="1">
+                <a:schemeClr val="accent1"/>
+              </a:fillRef>
+              <a:effectRef idx="0">
+                <a:schemeClr val="accent1"/>
+              </a:effectRef>
+              <a:fontRef idx="minor">
+                <a:schemeClr val="lt1"/>
+              </a:fontRef>
+            </p:style>
+            <p:txBody>
+              <a:bodyPr rtlCol="0" anchor="ctr"/>
+              <a:lstStyle/>
+              <a:p>
+                <a:pPr algn="ctr"/>
+                <a:endParaRPr lang="en-US">
+                  <a:solidFill>
+                    <a:schemeClr val="tx1"/>
+                  </a:solidFill>
+                </a:endParaRPr>
+              </a:p>
+            </p:txBody>
+          </p:sp>
+          <p:sp>
+            <p:nvSpPr>
+              <p:cNvPr id="43" name="Arrow: Curved Right 42">
+                <a:extLst>
+                  <a:ext uri="{FF2B5EF4-FFF2-40B4-BE49-F238E27FC236}">
+                    <a16:creationId xmlns:a16="http://schemas.microsoft.com/office/drawing/2014/main" id="{50D4B14F-C361-4D1D-96D2-A626A7A5E5F7}"/>
+                  </a:ext>
+                </a:extLst>
+              </p:cNvPr>
+              <p:cNvSpPr/>
+              <p:nvPr/>
+            </p:nvSpPr>
+            <p:spPr>
+              <a:xfrm rot="10457688">
+                <a:off x="5259938" y="1745771"/>
+                <a:ext cx="447529" cy="822306"/>
+              </a:xfrm>
+              <a:prstGeom prst="curvedRightArrow">
+                <a:avLst/>
+              </a:prstGeom>
+            </p:spPr>
+            <p:style>
+              <a:lnRef idx="2">
+                <a:schemeClr val="accent1">
+                  <a:shade val="50000"/>
+                </a:schemeClr>
+              </a:lnRef>
+              <a:fillRef idx="1">
+                <a:schemeClr val="accent1"/>
+              </a:fillRef>
+              <a:effectRef idx="0">
+                <a:schemeClr val="accent1"/>
+              </a:effectRef>
+              <a:fontRef idx="minor">
+                <a:schemeClr val="lt1"/>
+              </a:fontRef>
+            </p:style>
+            <p:txBody>
+              <a:bodyPr rtlCol="0" anchor="ctr"/>
+              <a:lstStyle/>
+              <a:p>
+                <a:pPr algn="ctr"/>
+                <a:endParaRPr lang="en-US">
+                  <a:solidFill>
+                    <a:schemeClr val="tx1"/>
+                  </a:solidFill>
+                </a:endParaRPr>
+              </a:p>
+            </p:txBody>
+          </p:sp>
+          <p:sp>
+            <p:nvSpPr>
+              <p:cNvPr id="44" name="TextBox 43">
+                <a:extLst>
+                  <a:ext uri="{FF2B5EF4-FFF2-40B4-BE49-F238E27FC236}">
+                    <a16:creationId xmlns:a16="http://schemas.microsoft.com/office/drawing/2014/main" id="{7F45FA19-DC19-4486-96E9-33418099F720}"/>
+                  </a:ext>
+                </a:extLst>
+              </p:cNvPr>
+              <p:cNvSpPr txBox="1"/>
+              <p:nvPr/>
+            </p:nvSpPr>
+            <p:spPr>
+              <a:xfrm>
+                <a:off x="4706250" y="2033813"/>
+                <a:ext cx="1027845" cy="553998"/>
+              </a:xfrm>
+              <a:prstGeom prst="rect">
+                <a:avLst/>
+              </a:prstGeom>
+              <a:noFill/>
+            </p:spPr>
+            <p:txBody>
+              <a:bodyPr wrap="none" rtlCol="0">
+                <a:spAutoFit/>
+              </a:bodyPr>
+              <a:lstStyle/>
+              <a:p>
+                <a:r>
+                  <a:rPr lang="en-US" sz="1000" dirty="0"/>
+                  <a:t>Generating data</a:t>
+                </a:r>
+              </a:p>
+              <a:p>
+                <a:r>
+                  <a:rPr lang="en-US" sz="1000" dirty="0"/>
+                  <a:t>Do Pipeline task</a:t>
+                </a:r>
+              </a:p>
+              <a:p>
+                <a:endParaRPr lang="en-US" sz="1000" dirty="0"/>
+              </a:p>
+            </p:txBody>
+          </p:sp>
+        </p:grpSp>
+        <p:sp>
+          <p:nvSpPr>
+            <p:cNvPr id="32" name="Rectangle 31">
+              <a:extLst>
+                <a:ext uri="{FF2B5EF4-FFF2-40B4-BE49-F238E27FC236}">
+                  <a16:creationId xmlns:a16="http://schemas.microsoft.com/office/drawing/2014/main" id="{4473FFE8-6199-49D0-BE9F-ECCAA4585C38}"/>
+                </a:ext>
+              </a:extLst>
+            </p:cNvPr>
+            <p:cNvSpPr/>
+            <p:nvPr/>
+          </p:nvSpPr>
+          <p:spPr>
+            <a:xfrm>
+              <a:off x="5059230" y="1922100"/>
+              <a:ext cx="1027845" cy="369328"/>
+            </a:xfrm>
+            <a:prstGeom prst="rect">
+              <a:avLst/>
+            </a:prstGeom>
+          </p:spPr>
+          <p:style>
+            <a:lnRef idx="2">
+              <a:schemeClr val="accent1">
+                <a:shade val="50000"/>
+              </a:schemeClr>
+            </a:lnRef>
+            <a:fillRef idx="1">
+              <a:schemeClr val="accent1"/>
+            </a:fillRef>
+            <a:effectRef idx="0">
+              <a:schemeClr val="accent1"/>
+            </a:effectRef>
+            <a:fontRef idx="minor">
+              <a:schemeClr val="lt1"/>
+            </a:fontRef>
+          </p:style>
+          <p:txBody>
+            <a:bodyPr rtlCol="0" anchor="ctr"/>
+            <a:lstStyle/>
+            <a:p>
+              <a:pPr algn="ctr"/>
+              <a:r>
+                <a:rPr lang="en-US" sz="1200" dirty="0"/>
+                <a:t>Controller1</a:t>
+              </a:r>
+            </a:p>
+          </p:txBody>
+        </p:sp>
+        <p:sp>
+          <p:nvSpPr>
+            <p:cNvPr id="46" name="Rectangle 45">
+              <a:extLst>
+                <a:ext uri="{FF2B5EF4-FFF2-40B4-BE49-F238E27FC236}">
+                  <a16:creationId xmlns:a16="http://schemas.microsoft.com/office/drawing/2014/main" id="{31D26997-978E-4CC6-8730-55148079194E}"/>
+                </a:ext>
+              </a:extLst>
+            </p:cNvPr>
+            <p:cNvSpPr/>
+            <p:nvPr/>
+          </p:nvSpPr>
+          <p:spPr>
+            <a:xfrm>
+              <a:off x="5059230" y="2905910"/>
+              <a:ext cx="1027845" cy="369328"/>
+            </a:xfrm>
+            <a:prstGeom prst="rect">
+              <a:avLst/>
+            </a:prstGeom>
+          </p:spPr>
+          <p:style>
+            <a:lnRef idx="2">
+              <a:schemeClr val="accent1">
+                <a:shade val="50000"/>
+              </a:schemeClr>
+            </a:lnRef>
+            <a:fillRef idx="1">
+              <a:schemeClr val="accent1"/>
+            </a:fillRef>
+            <a:effectRef idx="0">
+              <a:schemeClr val="accent1"/>
+            </a:effectRef>
+            <a:fontRef idx="minor">
+              <a:schemeClr val="lt1"/>
+            </a:fontRef>
+          </p:style>
+          <p:txBody>
+            <a:bodyPr rtlCol="0" anchor="ctr"/>
+            <a:lstStyle/>
+            <a:p>
+              <a:pPr algn="ctr"/>
+              <a:r>
+                <a:rPr lang="en-US" sz="1200" dirty="0"/>
+                <a:t>Controller1</a:t>
+              </a:r>
+            </a:p>
+          </p:txBody>
+        </p:sp>
+        <p:sp>
+          <p:nvSpPr>
+            <p:cNvPr id="47" name="Rectangle 46">
+              <a:extLst>
+                <a:ext uri="{FF2B5EF4-FFF2-40B4-BE49-F238E27FC236}">
+                  <a16:creationId xmlns:a16="http://schemas.microsoft.com/office/drawing/2014/main" id="{293CF23B-D132-4674-97C9-D44AB58ED903}"/>
+                </a:ext>
+              </a:extLst>
+            </p:cNvPr>
+            <p:cNvSpPr/>
+            <p:nvPr/>
+          </p:nvSpPr>
+          <p:spPr>
+            <a:xfrm>
+              <a:off x="5059230" y="3831672"/>
+              <a:ext cx="1027845" cy="369328"/>
+            </a:xfrm>
+            <a:prstGeom prst="rect">
+              <a:avLst/>
+            </a:prstGeom>
+          </p:spPr>
+          <p:style>
+            <a:lnRef idx="2">
+              <a:schemeClr val="accent1">
+                <a:shade val="50000"/>
+              </a:schemeClr>
+            </a:lnRef>
+            <a:fillRef idx="1">
+              <a:schemeClr val="accent1"/>
+            </a:fillRef>
+            <a:effectRef idx="0">
+              <a:schemeClr val="accent1"/>
+            </a:effectRef>
+            <a:fontRef idx="minor">
+              <a:schemeClr val="lt1"/>
+            </a:fontRef>
+          </p:style>
+          <p:txBody>
+            <a:bodyPr rtlCol="0" anchor="ctr"/>
+            <a:lstStyle/>
+            <a:p>
+              <a:pPr algn="ctr"/>
+              <a:r>
+                <a:rPr lang="en-US" sz="1200" dirty="0"/>
+                <a:t>Controller1</a:t>
+              </a:r>
+            </a:p>
+          </p:txBody>
+        </p:sp>
+        <p:sp>
+          <p:nvSpPr>
+            <p:cNvPr id="48" name="Rectangle 47">
+              <a:extLst>
+                <a:ext uri="{FF2B5EF4-FFF2-40B4-BE49-F238E27FC236}">
+                  <a16:creationId xmlns:a16="http://schemas.microsoft.com/office/drawing/2014/main" id="{EE6736D5-52FB-418D-89E5-D624CB8140BA}"/>
+                </a:ext>
+              </a:extLst>
+            </p:cNvPr>
+            <p:cNvSpPr/>
+            <p:nvPr/>
+          </p:nvSpPr>
+          <p:spPr>
+            <a:xfrm>
+              <a:off x="5059230" y="5003730"/>
+              <a:ext cx="1027845" cy="369328"/>
+            </a:xfrm>
+            <a:prstGeom prst="rect">
+              <a:avLst/>
+            </a:prstGeom>
+          </p:spPr>
+          <p:style>
+            <a:lnRef idx="2">
+              <a:schemeClr val="accent1">
+                <a:shade val="50000"/>
+              </a:schemeClr>
+            </a:lnRef>
+            <a:fillRef idx="1">
+              <a:schemeClr val="accent1"/>
+            </a:fillRef>
+            <a:effectRef idx="0">
+              <a:schemeClr val="accent1"/>
+            </a:effectRef>
+            <a:fontRef idx="minor">
+              <a:schemeClr val="lt1"/>
+            </a:fontRef>
+          </p:style>
+          <p:txBody>
+            <a:bodyPr rtlCol="0" anchor="ctr"/>
+            <a:lstStyle/>
+            <a:p>
+              <a:pPr algn="ctr"/>
+              <a:r>
+                <a:rPr lang="en-US" sz="1200" dirty="0"/>
+                <a:t>Controller1</a:t>
+              </a:r>
+            </a:p>
+          </p:txBody>
+        </p:sp>
+        <p:cxnSp>
+          <p:nvCxnSpPr>
+            <p:cNvPr id="55" name="Straight Arrow Connector 54">
+              <a:extLst>
+                <a:ext uri="{FF2B5EF4-FFF2-40B4-BE49-F238E27FC236}">
+                  <a16:creationId xmlns:a16="http://schemas.microsoft.com/office/drawing/2014/main" id="{3D4E26FD-882E-4E80-A101-54F1031900C2}"/>
+                </a:ext>
+              </a:extLst>
+            </p:cNvPr>
+            <p:cNvCxnSpPr>
+              <a:cxnSpLocks/>
+              <a:stCxn id="32" idx="3"/>
+            </p:cNvCxnSpPr>
+            <p:nvPr/>
+          </p:nvCxnSpPr>
+          <p:spPr>
+            <a:xfrm>
+              <a:off x="6087075" y="2106764"/>
+              <a:ext cx="393804" cy="23558"/>
+            </a:xfrm>
+            <a:prstGeom prst="straightConnector1">
+              <a:avLst/>
+            </a:prstGeom>
+            <a:ln>
+              <a:tailEnd type="triangle"/>
+            </a:ln>
+          </p:spPr>
+          <p:style>
+            <a:lnRef idx="1">
+              <a:schemeClr val="accent1"/>
+            </a:lnRef>
+            <a:fillRef idx="0">
+              <a:schemeClr val="accent1"/>
+            </a:fillRef>
+            <a:effectRef idx="0">
+              <a:schemeClr val="accent1"/>
+            </a:effectRef>
+            <a:fontRef idx="minor">
+              <a:schemeClr val="tx1"/>
+            </a:fontRef>
+          </p:style>
+        </p:cxnSp>
+        <p:cxnSp>
+          <p:nvCxnSpPr>
+            <p:cNvPr id="57" name="Straight Arrow Connector 56">
+              <a:extLst>
+                <a:ext uri="{FF2B5EF4-FFF2-40B4-BE49-F238E27FC236}">
+                  <a16:creationId xmlns:a16="http://schemas.microsoft.com/office/drawing/2014/main" id="{8DB3A6D1-50D3-4B5B-8797-D04D02C6554F}"/>
+                </a:ext>
+              </a:extLst>
+            </p:cNvPr>
+            <p:cNvCxnSpPr/>
+            <p:nvPr/>
+          </p:nvCxnSpPr>
+          <p:spPr>
+            <a:xfrm>
+              <a:off x="6087075" y="3087067"/>
+              <a:ext cx="375223" cy="12836"/>
+            </a:xfrm>
+            <a:prstGeom prst="straightConnector1">
+              <a:avLst/>
+            </a:prstGeom>
+            <a:ln>
+              <a:tailEnd type="triangle"/>
+            </a:ln>
+          </p:spPr>
+          <p:style>
+            <a:lnRef idx="1">
+              <a:schemeClr val="accent1"/>
+            </a:lnRef>
+            <a:fillRef idx="0">
+              <a:schemeClr val="accent1"/>
+            </a:fillRef>
+            <a:effectRef idx="0">
+              <a:schemeClr val="accent1"/>
+            </a:effectRef>
+            <a:fontRef idx="minor">
+              <a:schemeClr val="tx1"/>
+            </a:fontRef>
+          </p:style>
+        </p:cxnSp>
+        <p:cxnSp>
+          <p:nvCxnSpPr>
+            <p:cNvPr id="58" name="Straight Arrow Connector 57">
+              <a:extLst>
+                <a:ext uri="{FF2B5EF4-FFF2-40B4-BE49-F238E27FC236}">
+                  <a16:creationId xmlns:a16="http://schemas.microsoft.com/office/drawing/2014/main" id="{840CD400-4683-43D8-9B01-A84591056697}"/>
+                </a:ext>
+              </a:extLst>
+            </p:cNvPr>
+            <p:cNvCxnSpPr/>
+            <p:nvPr/>
+          </p:nvCxnSpPr>
+          <p:spPr>
+            <a:xfrm>
+              <a:off x="6105656" y="4019647"/>
+              <a:ext cx="375223" cy="12836"/>
+            </a:xfrm>
+            <a:prstGeom prst="straightConnector1">
+              <a:avLst/>
+            </a:prstGeom>
+            <a:ln>
+              <a:tailEnd type="triangle"/>
+            </a:ln>
+          </p:spPr>
+          <p:style>
+            <a:lnRef idx="1">
+              <a:schemeClr val="accent1"/>
+            </a:lnRef>
+            <a:fillRef idx="0">
+              <a:schemeClr val="accent1"/>
+            </a:fillRef>
+            <a:effectRef idx="0">
+              <a:schemeClr val="accent1"/>
+            </a:effectRef>
+            <a:fontRef idx="minor">
+              <a:schemeClr val="tx1"/>
+            </a:fontRef>
+          </p:style>
+        </p:cxnSp>
+        <p:cxnSp>
+          <p:nvCxnSpPr>
+            <p:cNvPr id="59" name="Straight Arrow Connector 58">
+              <a:extLst>
+                <a:ext uri="{FF2B5EF4-FFF2-40B4-BE49-F238E27FC236}">
+                  <a16:creationId xmlns:a16="http://schemas.microsoft.com/office/drawing/2014/main" id="{1FA5270F-B6BA-436F-BCD7-C74FBE1F28C2}"/>
+                </a:ext>
+              </a:extLst>
+            </p:cNvPr>
+            <p:cNvCxnSpPr/>
+            <p:nvPr/>
+          </p:nvCxnSpPr>
+          <p:spPr>
+            <a:xfrm>
+              <a:off x="6087074" y="5214141"/>
+              <a:ext cx="375223" cy="12836"/>
+            </a:xfrm>
+            <a:prstGeom prst="straightConnector1">
+              <a:avLst/>
+            </a:prstGeom>
+            <a:ln>
+              <a:tailEnd type="triangle"/>
+            </a:ln>
+          </p:spPr>
+          <p:style>
+            <a:lnRef idx="1">
+              <a:schemeClr val="accent1"/>
+            </a:lnRef>
+            <a:fillRef idx="0">
+              <a:schemeClr val="accent1"/>
+            </a:fillRef>
+            <a:effectRef idx="0">
+              <a:schemeClr val="accent1"/>
+            </a:effectRef>
+            <a:fontRef idx="minor">
+              <a:schemeClr val="tx1"/>
+            </a:fontRef>
+          </p:style>
+        </p:cxnSp>
+        <p:sp>
+          <p:nvSpPr>
+            <p:cNvPr id="56" name="Rectangle 55">
+              <a:extLst>
+                <a:ext uri="{FF2B5EF4-FFF2-40B4-BE49-F238E27FC236}">
+                  <a16:creationId xmlns:a16="http://schemas.microsoft.com/office/drawing/2014/main" id="{FC5CE712-3ADF-4FBB-8826-EBF4C0C58014}"/>
+                </a:ext>
+              </a:extLst>
+            </p:cNvPr>
+            <p:cNvSpPr/>
+            <p:nvPr/>
+          </p:nvSpPr>
+          <p:spPr>
+            <a:xfrm>
+              <a:off x="4917233" y="1733328"/>
+              <a:ext cx="3000613" cy="793989"/>
+            </a:xfrm>
+            <a:prstGeom prst="rect">
+              <a:avLst/>
+            </a:prstGeom>
+            <a:noFill/>
+            <a:ln>
+              <a:prstDash val="dashDot"/>
+            </a:ln>
+          </p:spPr>
+          <p:style>
+            <a:lnRef idx="2">
+              <a:schemeClr val="accent1">
+                <a:shade val="50000"/>
+              </a:schemeClr>
+            </a:lnRef>
+            <a:fillRef idx="1">
+              <a:schemeClr val="accent1"/>
+            </a:fillRef>
+            <a:effectRef idx="0">
+              <a:schemeClr val="accent1"/>
+            </a:effectRef>
+            <a:fontRef idx="minor">
+              <a:schemeClr val="lt1"/>
+            </a:fontRef>
+          </p:style>
+          <p:txBody>
+            <a:bodyPr rtlCol="0" anchor="ctr"/>
+            <a:lstStyle/>
+            <a:p>
+              <a:pPr algn="ctr"/>
+              <a:endParaRPr lang="en-US"/>
+            </a:p>
+          </p:txBody>
+        </p:sp>
+        <p:sp>
+          <p:nvSpPr>
+            <p:cNvPr id="61" name="Rectangle 60">
+              <a:extLst>
+                <a:ext uri="{FF2B5EF4-FFF2-40B4-BE49-F238E27FC236}">
+                  <a16:creationId xmlns:a16="http://schemas.microsoft.com/office/drawing/2014/main" id="{3DD45180-328D-4F07-A145-39E83DC6BFFD}"/>
+                </a:ext>
+              </a:extLst>
+            </p:cNvPr>
+            <p:cNvSpPr/>
+            <p:nvPr/>
+          </p:nvSpPr>
+          <p:spPr>
+            <a:xfrm>
+              <a:off x="4917233" y="2726498"/>
+              <a:ext cx="3000613" cy="793989"/>
+            </a:xfrm>
+            <a:prstGeom prst="rect">
+              <a:avLst/>
+            </a:prstGeom>
+            <a:noFill/>
+            <a:ln>
+              <a:prstDash val="dashDot"/>
+            </a:ln>
+          </p:spPr>
+          <p:style>
+            <a:lnRef idx="2">
+              <a:schemeClr val="accent1">
+                <a:shade val="50000"/>
+              </a:schemeClr>
+            </a:lnRef>
+            <a:fillRef idx="1">
+              <a:schemeClr val="accent1"/>
+            </a:fillRef>
+            <a:effectRef idx="0">
+              <a:schemeClr val="accent1"/>
+            </a:effectRef>
+            <a:fontRef idx="minor">
+              <a:schemeClr val="lt1"/>
+            </a:fontRef>
+          </p:style>
+          <p:txBody>
+            <a:bodyPr rtlCol="0" anchor="ctr"/>
+            <a:lstStyle/>
+            <a:p>
+              <a:pPr algn="ctr"/>
+              <a:endParaRPr lang="en-US"/>
+            </a:p>
+          </p:txBody>
+        </p:sp>
+        <p:sp>
+          <p:nvSpPr>
+            <p:cNvPr id="62" name="Rectangle 61">
+              <a:extLst>
+                <a:ext uri="{FF2B5EF4-FFF2-40B4-BE49-F238E27FC236}">
+                  <a16:creationId xmlns:a16="http://schemas.microsoft.com/office/drawing/2014/main" id="{337D6B01-AA86-4C19-83C9-DB153C184202}"/>
+                </a:ext>
+              </a:extLst>
+            </p:cNvPr>
+            <p:cNvSpPr/>
+            <p:nvPr/>
+          </p:nvSpPr>
+          <p:spPr>
+            <a:xfrm>
+              <a:off x="4901761" y="3649738"/>
+              <a:ext cx="3016085" cy="793989"/>
+            </a:xfrm>
+            <a:prstGeom prst="rect">
+              <a:avLst/>
+            </a:prstGeom>
+            <a:noFill/>
+            <a:ln>
+              <a:prstDash val="dashDot"/>
+            </a:ln>
+          </p:spPr>
+          <p:style>
+            <a:lnRef idx="2">
+              <a:schemeClr val="accent1">
+                <a:shade val="50000"/>
+              </a:schemeClr>
+            </a:lnRef>
+            <a:fillRef idx="1">
+              <a:schemeClr val="accent1"/>
+            </a:fillRef>
+            <a:effectRef idx="0">
+              <a:schemeClr val="accent1"/>
+            </a:effectRef>
+            <a:fontRef idx="minor">
+              <a:schemeClr val="lt1"/>
+            </a:fontRef>
+          </p:style>
+          <p:txBody>
+            <a:bodyPr rtlCol="0" anchor="ctr"/>
+            <a:lstStyle/>
+            <a:p>
+              <a:pPr algn="ctr"/>
+              <a:endParaRPr lang="en-US"/>
+            </a:p>
+          </p:txBody>
+        </p:sp>
+        <p:sp>
+          <p:nvSpPr>
+            <p:cNvPr id="63" name="Rectangle 62">
+              <a:extLst>
+                <a:ext uri="{FF2B5EF4-FFF2-40B4-BE49-F238E27FC236}">
+                  <a16:creationId xmlns:a16="http://schemas.microsoft.com/office/drawing/2014/main" id="{7CE55DD0-8690-47BB-8DF1-EA8A265D9E08}"/>
+                </a:ext>
+              </a:extLst>
+            </p:cNvPr>
+            <p:cNvSpPr/>
+            <p:nvPr/>
+          </p:nvSpPr>
+          <p:spPr>
+            <a:xfrm>
+              <a:off x="4901762" y="4789851"/>
+              <a:ext cx="3016084" cy="793989"/>
+            </a:xfrm>
+            <a:prstGeom prst="rect">
+              <a:avLst/>
+            </a:prstGeom>
+            <a:noFill/>
+            <a:ln>
+              <a:prstDash val="dashDot"/>
+            </a:ln>
+          </p:spPr>
+          <p:style>
+            <a:lnRef idx="2">
+              <a:schemeClr val="accent1">
+                <a:shade val="50000"/>
+              </a:schemeClr>
+            </a:lnRef>
+            <a:fillRef idx="1">
+              <a:schemeClr val="accent1"/>
+            </a:fillRef>
+            <a:effectRef idx="0">
+              <a:schemeClr val="accent1"/>
+            </a:effectRef>
+            <a:fontRef idx="minor">
+              <a:schemeClr val="lt1"/>
+            </a:fontRef>
+          </p:style>
+          <p:txBody>
+            <a:bodyPr rtlCol="0" anchor="ctr"/>
+            <a:lstStyle/>
+            <a:p>
+              <a:pPr algn="ctr"/>
+              <a:endParaRPr lang="en-US"/>
+            </a:p>
+          </p:txBody>
+        </p:sp>
+      </p:grpSp>
+      <p:sp>
+        <p:nvSpPr>
+          <p:cNvPr id="67" name="Rectangle 66">
+            <a:extLst>
+              <a:ext uri="{FF2B5EF4-FFF2-40B4-BE49-F238E27FC236}">
+                <a16:creationId xmlns:a16="http://schemas.microsoft.com/office/drawing/2014/main" id="{1979D078-92A5-4B82-9045-13C22CF40A3D}"/>
+              </a:ext>
+            </a:extLst>
+          </p:cNvPr>
+          <p:cNvSpPr/>
+          <p:nvPr/>
+        </p:nvSpPr>
+        <p:spPr>
+          <a:xfrm>
+            <a:off x="558965" y="445575"/>
+            <a:ext cx="849993" cy="575594"/>
+          </a:xfrm>
+          <a:prstGeom prst="rect">
+            <a:avLst/>
+          </a:prstGeom>
+          <a:noFill/>
+          <a:ln>
+            <a:prstDash val="dashDot"/>
+          </a:ln>
+        </p:spPr>
+        <p:style>
+          <a:lnRef idx="2">
+            <a:schemeClr val="accent1">
+              <a:shade val="50000"/>
+            </a:schemeClr>
+          </a:lnRef>
+          <a:fillRef idx="1">
+            <a:schemeClr val="accent1"/>
+          </a:fillRef>
+          <a:effectRef idx="0">
+            <a:schemeClr val="accent1"/>
+          </a:effectRef>
+          <a:fontRef idx="minor">
+            <a:schemeClr val="lt1"/>
+          </a:fontRef>
+        </p:style>
+        <p:txBody>
+          <a:bodyPr rtlCol="0" anchor="ctr"/>
+          <a:lstStyle/>
+          <a:p>
+            <a:pPr algn="ctr"/>
+            <a:endParaRPr lang="en-US"/>
           </a:p>
         </p:txBody>
       </p:sp>
       <p:sp>
         <p:nvSpPr>
-          <p:cNvPr id="11" name="文本框 10">
-            <a:extLst>
-              <a:ext uri="{FF2B5EF4-FFF2-40B4-BE49-F238E27FC236}">
-                <a16:creationId xmlns:a16="http://schemas.microsoft.com/office/drawing/2014/main" id="{74B26055-18E7-416F-B692-B70E9440DAD9}"/>
+          <p:cNvPr id="68" name="Rectangle 67">
+            <a:extLst>
+              <a:ext uri="{FF2B5EF4-FFF2-40B4-BE49-F238E27FC236}">
+                <a16:creationId xmlns:a16="http://schemas.microsoft.com/office/drawing/2014/main" id="{33CFAE52-F4D7-43C3-BC15-56775F231BA4}"/>
+              </a:ext>
+            </a:extLst>
+          </p:cNvPr>
+          <p:cNvSpPr/>
+          <p:nvPr/>
+        </p:nvSpPr>
+        <p:spPr>
+          <a:xfrm>
+            <a:off x="4197933" y="445575"/>
+            <a:ext cx="1213945" cy="575594"/>
+          </a:xfrm>
+          <a:prstGeom prst="rect">
+            <a:avLst/>
+          </a:prstGeom>
+          <a:noFill/>
+          <a:ln>
+            <a:prstDash val="dashDot"/>
+          </a:ln>
+        </p:spPr>
+        <p:style>
+          <a:lnRef idx="2">
+            <a:schemeClr val="accent1">
+              <a:shade val="50000"/>
+            </a:schemeClr>
+          </a:lnRef>
+          <a:fillRef idx="1">
+            <a:schemeClr val="accent1"/>
+          </a:fillRef>
+          <a:effectRef idx="0">
+            <a:schemeClr val="accent1"/>
+          </a:effectRef>
+          <a:fontRef idx="minor">
+            <a:schemeClr val="lt1"/>
+          </a:fontRef>
+        </p:style>
+        <p:txBody>
+          <a:bodyPr rtlCol="0" anchor="ctr"/>
+          <a:lstStyle/>
+          <a:p>
+            <a:pPr algn="ctr"/>
+            <a:endParaRPr lang="en-US"/>
+          </a:p>
+        </p:txBody>
+      </p:sp>
+      <p:sp>
+        <p:nvSpPr>
+          <p:cNvPr id="69" name="TextBox 68">
+            <a:extLst>
+              <a:ext uri="{FF2B5EF4-FFF2-40B4-BE49-F238E27FC236}">
+                <a16:creationId xmlns:a16="http://schemas.microsoft.com/office/drawing/2014/main" id="{01B2F676-4E15-455B-BF17-EFFBFC0A533D}"/>
               </a:ext>
             </a:extLst>
           </p:cNvPr>
@@ -16076,8 +18683,8 @@
         </p:nvSpPr>
         <p:spPr>
           <a:xfrm>
-            <a:off x="3479351" y="4303697"/>
-            <a:ext cx="7166536" cy="246221"/>
+            <a:off x="9721790" y="2628371"/>
+            <a:ext cx="1047082" cy="246221"/>
           </a:xfrm>
           <a:prstGeom prst="rect">
             <a:avLst/>
@@ -16085,29 +18692,145 @@
           <a:noFill/>
         </p:spPr>
         <p:txBody>
-          <a:bodyPr wrap="square" rtlCol="0">
+          <a:bodyPr wrap="none" rtlCol="0">
             <a:spAutoFit/>
           </a:bodyPr>
           <a:lstStyle/>
           <a:p>
             <a:r>
-              <a:rPr lang="en-US" sz="1000" dirty="0">
-                <a:solidFill>
-                  <a:schemeClr val="tx1">
-                    <a:lumMod val="50000"/>
-                    <a:lumOff val="50000"/>
-                  </a:schemeClr>
-                </a:solidFill>
-              </a:rPr>
-              <a:t>Remove and shut down all the devices!</a:t>
-            </a:r>
+              <a:rPr lang="en-US" sz="1000" dirty="0" err="1"/>
+              <a:t>OnDataChange</a:t>
+            </a:r>
+            <a:r>
+              <a:rPr lang="en-US" sz="1000" dirty="0"/>
+              <a:t>()</a:t>
+            </a:r>
+          </a:p>
+        </p:txBody>
+      </p:sp>
+      <p:sp>
+        <p:nvSpPr>
+          <p:cNvPr id="70" name="TextBox 69">
+            <a:extLst>
+              <a:ext uri="{FF2B5EF4-FFF2-40B4-BE49-F238E27FC236}">
+                <a16:creationId xmlns:a16="http://schemas.microsoft.com/office/drawing/2014/main" id="{6E97F99C-C71C-4631-8489-5601A388E16A}"/>
+              </a:ext>
+            </a:extLst>
+          </p:cNvPr>
+          <p:cNvSpPr txBox="1"/>
+          <p:nvPr/>
+        </p:nvSpPr>
+        <p:spPr>
+          <a:xfrm>
+            <a:off x="9729633" y="3427378"/>
+            <a:ext cx="1047082" cy="246221"/>
+          </a:xfrm>
+          <a:prstGeom prst="rect">
+            <a:avLst/>
+          </a:prstGeom>
+          <a:noFill/>
+        </p:spPr>
+        <p:txBody>
+          <a:bodyPr wrap="none" rtlCol="0">
+            <a:spAutoFit/>
+          </a:bodyPr>
+          <a:lstStyle/>
+          <a:p>
+            <a:r>
+              <a:rPr lang="en-US" sz="1000" dirty="0" err="1"/>
+              <a:t>OnDataChange</a:t>
+            </a:r>
+            <a:r>
+              <a:rPr lang="en-US" sz="1000" dirty="0"/>
+              <a:t>()</a:t>
+            </a:r>
+          </a:p>
+        </p:txBody>
+      </p:sp>
+      <p:sp>
+        <p:nvSpPr>
+          <p:cNvPr id="71" name="TextBox 70">
+            <a:extLst>
+              <a:ext uri="{FF2B5EF4-FFF2-40B4-BE49-F238E27FC236}">
+                <a16:creationId xmlns:a16="http://schemas.microsoft.com/office/drawing/2014/main" id="{E53202FE-17EE-48B5-9B78-9D17F3842CA6}"/>
+              </a:ext>
+            </a:extLst>
+          </p:cNvPr>
+          <p:cNvSpPr txBox="1"/>
+          <p:nvPr/>
+        </p:nvSpPr>
+        <p:spPr>
+          <a:xfrm>
+            <a:off x="9714921" y="4361787"/>
+            <a:ext cx="1047082" cy="246221"/>
+          </a:xfrm>
+          <a:prstGeom prst="rect">
+            <a:avLst/>
+          </a:prstGeom>
+          <a:noFill/>
+        </p:spPr>
+        <p:txBody>
+          <a:bodyPr wrap="none" rtlCol="0">
+            <a:spAutoFit/>
+          </a:bodyPr>
+          <a:lstStyle/>
+          <a:p>
+            <a:r>
+              <a:rPr lang="en-US" sz="1000" dirty="0" err="1"/>
+              <a:t>OnDataChange</a:t>
+            </a:r>
+            <a:r>
+              <a:rPr lang="en-US" sz="1000" dirty="0"/>
+              <a:t>()</a:t>
+            </a:r>
+          </a:p>
+        </p:txBody>
+      </p:sp>
+      <p:sp>
+        <p:nvSpPr>
+          <p:cNvPr id="2051" name="TextBox 2050">
+            <a:extLst>
+              <a:ext uri="{FF2B5EF4-FFF2-40B4-BE49-F238E27FC236}">
+                <a16:creationId xmlns:a16="http://schemas.microsoft.com/office/drawing/2014/main" id="{D093FBA4-D68C-4622-B239-D414CF183BA6}"/>
+              </a:ext>
+            </a:extLst>
+          </p:cNvPr>
+          <p:cNvSpPr txBox="1"/>
+          <p:nvPr/>
+        </p:nvSpPr>
+        <p:spPr>
+          <a:xfrm>
+            <a:off x="220111" y="1811823"/>
+            <a:ext cx="2261581" cy="923330"/>
+          </a:xfrm>
+          <a:prstGeom prst="rect">
+            <a:avLst/>
+          </a:prstGeom>
+          <a:noFill/>
+        </p:spPr>
+        <p:txBody>
+          <a:bodyPr wrap="none" rtlCol="0">
+            <a:spAutoFit/>
+          </a:bodyPr>
+          <a:lstStyle/>
+          <a:p>
+            <a:r>
+              <a:rPr lang="en-US" dirty="0"/>
+              <a:t>Control/View – Model</a:t>
+            </a:r>
+          </a:p>
+          <a:p>
+            <a:endParaRPr lang="en-US" dirty="0"/>
+          </a:p>
+          <a:p>
+            <a:endParaRPr lang="en-US" dirty="0"/>
           </a:p>
         </p:txBody>
       </p:sp>
     </p:spTree>
     <p:extLst>
       <p:ext uri="{BB962C8B-B14F-4D97-AF65-F5344CB8AC3E}">
-        <p14:creationId xmlns:p14="http://schemas.microsoft.com/office/powerpoint/2010/main" val="3885510221"/>
+        <p14:creationId xmlns:p14="http://schemas.microsoft.com/office/powerpoint/2010/main" val="3267277742"/>
       </p:ext>
     </p:extLst>
   </p:cSld>
